--- a/Notebooks/English/05 - Active Directory/09 - Allow users to reset their password with Azure Active Directory self-service password reset - Learn  Microsoft Docs.pptx
+++ b/Notebooks/English/05 - Active Directory/09 - Allow users to reset their password with Azure Active Directory self-service password reset - Learn  Microsoft Docs.pptx
@@ -1,20 +1,23 @@
 
 <file path=ppt/presentation.xml><?xml version="1.0" encoding="utf-8"?>
-<p:presentation xmlns:a="http://schemas.openxmlformats.org/drawingml/2006/main" xmlns:r="http://schemas.openxmlformats.org/officeDocument/2006/relationships" xmlns:p="http://schemas.openxmlformats.org/presentationml/2006/main" saveSubsetFonts="1" autoCompressPictures="0">
+<p:presentation xmlns:a="http://schemas.openxmlformats.org/drawingml/2006/main" xmlns:p="http://schemas.openxmlformats.org/presentationml/2006/main" xmlns:r="http://schemas.openxmlformats.org/officeDocument/2006/relationships" autoCompressPictures="0" saveSubsetFonts="1">
   <p:sldMasterIdLst>
     <p:sldMasterId id="2147483648" r:id="rId1"/>
   </p:sldMasterIdLst>
   <p:sldIdLst>
-    <p:sldId id="256" r:id="rId7"/>
+    <p:sldId id="256" r:id="rId2"/>
+    <p:sldId id="257" r:id="rId3"/>
+    <p:sldId id="258" r:id="rId4"/>
+    <p:sldId id="259" r:id="rId5"/>
   </p:sldIdLst>
-  <p:sldSz cx="9144000" cy="6858000" type="screen4x3"/>
+  <p:sldSz cx="9144000" cy="5143500" type="screen16x9"/>
   <p:notesSz cx="6858000" cy="9144000"/>
   <p:defaultTextStyle>
     <a:defPPr>
       <a:defRPr lang="en-US"/>
     </a:defPPr>
-    <a:lvl1pPr marL="0" algn="l" defTabSz="457200" rtl="0" eaLnBrk="1" latinLnBrk="0" hangingPunct="1">
-      <a:defRPr sz="1800" kern="1200">
+    <a:lvl1pPr algn="l" defTabSz="457200" eaLnBrk="1" hangingPunct="1" latinLnBrk="0" marL="0" rtl="0">
+      <a:defRPr kern="1200" sz="1800">
         <a:solidFill>
           <a:schemeClr val="tx1"/>
         </a:solidFill>
@@ -23,8 +26,8 @@
         <a:cs typeface="+mn-cs"/>
       </a:defRPr>
     </a:lvl1pPr>
-    <a:lvl2pPr marL="457200" algn="l" defTabSz="457200" rtl="0" eaLnBrk="1" latinLnBrk="0" hangingPunct="1">
-      <a:defRPr sz="1800" kern="1200">
+    <a:lvl2pPr algn="l" defTabSz="457200" eaLnBrk="1" hangingPunct="1" latinLnBrk="0" marL="457200" rtl="0">
+      <a:defRPr kern="1200" sz="1800">
         <a:solidFill>
           <a:schemeClr val="tx1"/>
         </a:solidFill>
@@ -33,8 +36,8 @@
         <a:cs typeface="+mn-cs"/>
       </a:defRPr>
     </a:lvl2pPr>
-    <a:lvl3pPr marL="914400" algn="l" defTabSz="457200" rtl="0" eaLnBrk="1" latinLnBrk="0" hangingPunct="1">
-      <a:defRPr sz="1800" kern="1200">
+    <a:lvl3pPr algn="l" defTabSz="457200" eaLnBrk="1" hangingPunct="1" latinLnBrk="0" marL="914400" rtl="0">
+      <a:defRPr kern="1200" sz="1800">
         <a:solidFill>
           <a:schemeClr val="tx1"/>
         </a:solidFill>
@@ -43,8 +46,8 @@
         <a:cs typeface="+mn-cs"/>
       </a:defRPr>
     </a:lvl3pPr>
-    <a:lvl4pPr marL="1371600" algn="l" defTabSz="457200" rtl="0" eaLnBrk="1" latinLnBrk="0" hangingPunct="1">
-      <a:defRPr sz="1800" kern="1200">
+    <a:lvl4pPr algn="l" defTabSz="457200" eaLnBrk="1" hangingPunct="1" latinLnBrk="0" marL="1371600" rtl="0">
+      <a:defRPr kern="1200" sz="1800">
         <a:solidFill>
           <a:schemeClr val="tx1"/>
         </a:solidFill>
@@ -53,8 +56,8 @@
         <a:cs typeface="+mn-cs"/>
       </a:defRPr>
     </a:lvl4pPr>
-    <a:lvl5pPr marL="1828800" algn="l" defTabSz="457200" rtl="0" eaLnBrk="1" latinLnBrk="0" hangingPunct="1">
-      <a:defRPr sz="1800" kern="1200">
+    <a:lvl5pPr algn="l" defTabSz="457200" eaLnBrk="1" hangingPunct="1" latinLnBrk="0" marL="1828800" rtl="0">
+      <a:defRPr kern="1200" sz="1800">
         <a:solidFill>
           <a:schemeClr val="tx1"/>
         </a:solidFill>
@@ -63,8 +66,8 @@
         <a:cs typeface="+mn-cs"/>
       </a:defRPr>
     </a:lvl5pPr>
-    <a:lvl6pPr marL="2286000" algn="l" defTabSz="457200" rtl="0" eaLnBrk="1" latinLnBrk="0" hangingPunct="1">
-      <a:defRPr sz="1800" kern="1200">
+    <a:lvl6pPr algn="l" defTabSz="457200" eaLnBrk="1" hangingPunct="1" latinLnBrk="0" marL="2286000" rtl="0">
+      <a:defRPr kern="1200" sz="1800">
         <a:solidFill>
           <a:schemeClr val="tx1"/>
         </a:solidFill>
@@ -73,8 +76,8 @@
         <a:cs typeface="+mn-cs"/>
       </a:defRPr>
     </a:lvl6pPr>
-    <a:lvl7pPr marL="2743200" algn="l" defTabSz="457200" rtl="0" eaLnBrk="1" latinLnBrk="0" hangingPunct="1">
-      <a:defRPr sz="1800" kern="1200">
+    <a:lvl7pPr algn="l" defTabSz="457200" eaLnBrk="1" hangingPunct="1" latinLnBrk="0" marL="2743200" rtl="0">
+      <a:defRPr kern="1200" sz="1800">
         <a:solidFill>
           <a:schemeClr val="tx1"/>
         </a:solidFill>
@@ -83,8 +86,8 @@
         <a:cs typeface="+mn-cs"/>
       </a:defRPr>
     </a:lvl7pPr>
-    <a:lvl8pPr marL="3200400" algn="l" defTabSz="457200" rtl="0" eaLnBrk="1" latinLnBrk="0" hangingPunct="1">
-      <a:defRPr sz="1800" kern="1200">
+    <a:lvl8pPr algn="l" defTabSz="457200" eaLnBrk="1" hangingPunct="1" latinLnBrk="0" marL="3200400" rtl="0">
+      <a:defRPr kern="1200" sz="1800">
         <a:solidFill>
           <a:schemeClr val="tx1"/>
         </a:solidFill>
@@ -93,8 +96,8 @@
         <a:cs typeface="+mn-cs"/>
       </a:defRPr>
     </a:lvl8pPr>
-    <a:lvl9pPr marL="3657600" algn="l" defTabSz="457200" rtl="0" eaLnBrk="1" latinLnBrk="0" hangingPunct="1">
-      <a:defRPr sz="1800" kern="1200">
+    <a:lvl9pPr algn="l" defTabSz="457200" eaLnBrk="1" hangingPunct="1" latinLnBrk="0" marL="3657600" rtl="0">
+      <a:defRPr kern="1200" sz="1800">
         <a:solidFill>
           <a:schemeClr val="tx1"/>
         </a:solidFill>
@@ -104,6 +107,22 @@
       </a:defRPr>
     </a:lvl9pPr>
   </p:defaultTextStyle>
+  <p:extLst>
+    <p:ext uri="{EFAFB233-063F-42B5-8137-9DF3F51BA10A}">
+      <p15:sldGuideLst xmlns:p15="http://schemas.microsoft.com/office/powerpoint/2012/main">
+        <p15:guide id="1" orient="horz" pos="1620" userDrawn="1">
+          <p15:clr>
+            <a:srgbClr val="A4A3A4"/>
+          </p15:clr>
+        </p15:guide>
+        <p15:guide id="2" pos="2880" userDrawn="1">
+          <p15:clr>
+            <a:srgbClr val="A4A3A4"/>
+          </p15:clr>
+        </p15:guide>
+      </p15:sldGuideLst>
+    </p:ext>
+  </p:extLst>
 </p:presentation>
 </file>
 
@@ -136,8 +155,8 @@
         </p:nvSpPr>
         <p:spPr>
           <a:xfrm>
-            <a:off x="685800" y="2130425"/>
-            <a:ext cx="7772400" cy="1470025"/>
+            <a:off x="685800" y="1597819"/>
+            <a:ext cx="7772400" cy="1102519"/>
           </a:xfrm>
         </p:spPr>
         <p:txBody>
@@ -145,10 +164,9 @@
           <a:lstStyle/>
           <a:p>
             <a:r>
-              <a:rPr lang="en-US" smtClean="0"/>
+              <a:rPr lang="en-US"/>
               <a:t>Click to edit Master title style</a:t>
             </a:r>
-            <a:endParaRPr lang="en-US"/>
           </a:p>
         </p:txBody>
       </p:sp>
@@ -164,8 +182,8 @@
         </p:nvSpPr>
         <p:spPr>
           <a:xfrm>
-            <a:off x="1371600" y="3886200"/>
-            <a:ext cx="6400800" cy="1752600"/>
+            <a:off x="1371600" y="2914650"/>
+            <a:ext cx="6400800" cy="1314450"/>
           </a:xfrm>
         </p:spPr>
         <p:txBody>
@@ -181,7 +199,7 @@
                 </a:solidFill>
               </a:defRPr>
             </a:lvl1pPr>
-            <a:lvl2pPr marL="457200" indent="0" algn="ctr">
+            <a:lvl2pPr marL="342900" indent="0" algn="ctr">
               <a:buNone/>
               <a:defRPr>
                 <a:solidFill>
@@ -191,7 +209,7 @@
                 </a:solidFill>
               </a:defRPr>
             </a:lvl2pPr>
-            <a:lvl3pPr marL="914400" indent="0" algn="ctr">
+            <a:lvl3pPr marL="685800" indent="0" algn="ctr">
               <a:buNone/>
               <a:defRPr>
                 <a:solidFill>
@@ -201,7 +219,7 @@
                 </a:solidFill>
               </a:defRPr>
             </a:lvl3pPr>
-            <a:lvl4pPr marL="1371600" indent="0" algn="ctr">
+            <a:lvl4pPr marL="1028700" indent="0" algn="ctr">
               <a:buNone/>
               <a:defRPr>
                 <a:solidFill>
@@ -211,7 +229,7 @@
                 </a:solidFill>
               </a:defRPr>
             </a:lvl4pPr>
-            <a:lvl5pPr marL="1828800" indent="0" algn="ctr">
+            <a:lvl5pPr marL="1371600" indent="0" algn="ctr">
               <a:buNone/>
               <a:defRPr>
                 <a:solidFill>
@@ -221,7 +239,7 @@
                 </a:solidFill>
               </a:defRPr>
             </a:lvl5pPr>
-            <a:lvl6pPr marL="2286000" indent="0" algn="ctr">
+            <a:lvl6pPr marL="1714500" indent="0" algn="ctr">
               <a:buNone/>
               <a:defRPr>
                 <a:solidFill>
@@ -231,7 +249,7 @@
                 </a:solidFill>
               </a:defRPr>
             </a:lvl6pPr>
-            <a:lvl7pPr marL="2743200" indent="0" algn="ctr">
+            <a:lvl7pPr marL="2057400" indent="0" algn="ctr">
               <a:buNone/>
               <a:defRPr>
                 <a:solidFill>
@@ -241,7 +259,7 @@
                 </a:solidFill>
               </a:defRPr>
             </a:lvl7pPr>
-            <a:lvl8pPr marL="3200400" indent="0" algn="ctr">
+            <a:lvl8pPr marL="2400300" indent="0" algn="ctr">
               <a:buNone/>
               <a:defRPr>
                 <a:solidFill>
@@ -251,7 +269,7 @@
                 </a:solidFill>
               </a:defRPr>
             </a:lvl8pPr>
-            <a:lvl9pPr marL="3657600" indent="0" algn="ctr">
+            <a:lvl9pPr marL="2743200" indent="0" algn="ctr">
               <a:buNone/>
               <a:defRPr>
                 <a:solidFill>
@@ -264,31 +282,30 @@
           </a:lstStyle>
           <a:p>
             <a:r>
+              <a:rPr lang="en-US"/>
+              <a:t>Click to edit Master subtitle style</a:t>
+            </a:r>
+          </a:p>
+        </p:txBody>
+      </p:sp>
+      <p:sp>
+        <p:nvSpPr>
+          <p:cNvPr id="4" name="Date Placeholder 3"/>
+          <p:cNvSpPr>
+            <a:spLocks noGrp="1"/>
+          </p:cNvSpPr>
+          <p:nvPr>
+            <p:ph type="dt" sz="half" idx="10"/>
+          </p:nvPr>
+        </p:nvSpPr>
+        <p:spPr/>
+        <p:txBody>
+          <a:bodyPr/>
+          <a:lstStyle/>
+          <a:p>
+            <a:fld id="{241EB5C9-1307-BA42-ABA2-0BC069CD8E7F}" type="datetimeFigureOut">
               <a:rPr lang="en-US" smtClean="0"/>
-              <a:t>Click to edit Master subtitle style</a:t>
-            </a:r>
-            <a:endParaRPr lang="en-US"/>
-          </a:p>
-        </p:txBody>
-      </p:sp>
-      <p:sp>
-        <p:nvSpPr>
-          <p:cNvPr id="4" name="Date Placeholder 3"/>
-          <p:cNvSpPr>
-            <a:spLocks noGrp="1"/>
-          </p:cNvSpPr>
-          <p:nvPr>
-            <p:ph type="dt" sz="half" idx="10"/>
-          </p:nvPr>
-        </p:nvSpPr>
-        <p:spPr/>
-        <p:txBody>
-          <a:bodyPr/>
-          <a:lstStyle/>
-          <a:p>
-            <a:fld id="{5BCAD085-E8A6-8845-BD4E-CB4CCA059FC4}" type="datetimeFigureOut">
-              <a:rPr lang="en-US" smtClean="0"/>
-              <a:t>1/27/13</a:t>
+              <a:t>1/2/22</a:t>
             </a:fld>
             <a:endParaRPr lang="en-US"/>
           </a:p>
@@ -328,7 +345,7 @@
           <a:bodyPr/>
           <a:lstStyle/>
           <a:p>
-            <a:fld id="{C1FF6DA9-008F-8B48-92A6-B652298478BF}" type="slidenum">
+            <a:fld id="{C5EF2332-01BF-834F-8236-50238282D533}" type="slidenum">
               <a:rPr lang="en-US" smtClean="0"/>
               <a:t>‹#›</a:t>
             </a:fld>
@@ -339,7 +356,7 @@
     </p:spTree>
     <p:extLst>
       <p:ext uri="{BB962C8B-B14F-4D97-AF65-F5344CB8AC3E}">
-        <p14:creationId xmlns:p14="http://schemas.microsoft.com/office/powerpoint/2010/main" val="3168075583"/>
+        <p14:creationId xmlns:p14="http://schemas.microsoft.com/office/powerpoint/2010/main" val="1444357513"/>
       </p:ext>
     </p:extLst>
   </p:cSld>
@@ -382,83 +399,81 @@
           <a:lstStyle/>
           <a:p>
             <a:r>
+              <a:rPr lang="en-US"/>
+              <a:t>Click to edit Master title style</a:t>
+            </a:r>
+          </a:p>
+        </p:txBody>
+      </p:sp>
+      <p:sp>
+        <p:nvSpPr>
+          <p:cNvPr id="3" name="Vertical Text Placeholder 2"/>
+          <p:cNvSpPr>
+            <a:spLocks noGrp="1"/>
+          </p:cNvSpPr>
+          <p:nvPr>
+            <p:ph type="body" orient="vert" idx="1"/>
+          </p:nvPr>
+        </p:nvSpPr>
+        <p:spPr/>
+        <p:txBody>
+          <a:bodyPr vert="eaVert"/>
+          <a:lstStyle/>
+          <a:p>
+            <a:pPr lvl="0"/>
+            <a:r>
+              <a:rPr lang="en-US"/>
+              <a:t>Click to edit Master text styles</a:t>
+            </a:r>
+          </a:p>
+          <a:p>
+            <a:pPr lvl="1"/>
+            <a:r>
+              <a:rPr lang="en-US"/>
+              <a:t>Second level</a:t>
+            </a:r>
+          </a:p>
+          <a:p>
+            <a:pPr lvl="2"/>
+            <a:r>
+              <a:rPr lang="en-US"/>
+              <a:t>Third level</a:t>
+            </a:r>
+          </a:p>
+          <a:p>
+            <a:pPr lvl="3"/>
+            <a:r>
+              <a:rPr lang="en-US"/>
+              <a:t>Fourth level</a:t>
+            </a:r>
+          </a:p>
+          <a:p>
+            <a:pPr lvl="4"/>
+            <a:r>
+              <a:rPr lang="en-US"/>
+              <a:t>Fifth level</a:t>
+            </a:r>
+          </a:p>
+        </p:txBody>
+      </p:sp>
+      <p:sp>
+        <p:nvSpPr>
+          <p:cNvPr id="4" name="Date Placeholder 3"/>
+          <p:cNvSpPr>
+            <a:spLocks noGrp="1"/>
+          </p:cNvSpPr>
+          <p:nvPr>
+            <p:ph type="dt" sz="half" idx="10"/>
+          </p:nvPr>
+        </p:nvSpPr>
+        <p:spPr/>
+        <p:txBody>
+          <a:bodyPr/>
+          <a:lstStyle/>
+          <a:p>
+            <a:fld id="{241EB5C9-1307-BA42-ABA2-0BC069CD8E7F}" type="datetimeFigureOut">
               <a:rPr lang="en-US" smtClean="0"/>
-              <a:t>Click to edit Master title style</a:t>
-            </a:r>
-            <a:endParaRPr lang="en-US"/>
-          </a:p>
-        </p:txBody>
-      </p:sp>
-      <p:sp>
-        <p:nvSpPr>
-          <p:cNvPr id="3" name="Vertical Text Placeholder 2"/>
-          <p:cNvSpPr>
-            <a:spLocks noGrp="1"/>
-          </p:cNvSpPr>
-          <p:nvPr>
-            <p:ph type="body" orient="vert" idx="1"/>
-          </p:nvPr>
-        </p:nvSpPr>
-        <p:spPr/>
-        <p:txBody>
-          <a:bodyPr vert="eaVert"/>
-          <a:lstStyle/>
-          <a:p>
-            <a:pPr lvl="0"/>
-            <a:r>
-              <a:rPr lang="en-US" smtClean="0"/>
-              <a:t>Click to edit Master text styles</a:t>
-            </a:r>
-          </a:p>
-          <a:p>
-            <a:pPr lvl="1"/>
-            <a:r>
-              <a:rPr lang="en-US" smtClean="0"/>
-              <a:t>Second level</a:t>
-            </a:r>
-          </a:p>
-          <a:p>
-            <a:pPr lvl="2"/>
-            <a:r>
-              <a:rPr lang="en-US" smtClean="0"/>
-              <a:t>Third level</a:t>
-            </a:r>
-          </a:p>
-          <a:p>
-            <a:pPr lvl="3"/>
-            <a:r>
-              <a:rPr lang="en-US" smtClean="0"/>
-              <a:t>Fourth level</a:t>
-            </a:r>
-          </a:p>
-          <a:p>
-            <a:pPr lvl="4"/>
-            <a:r>
-              <a:rPr lang="en-US" smtClean="0"/>
-              <a:t>Fifth level</a:t>
-            </a:r>
-            <a:endParaRPr lang="en-US"/>
-          </a:p>
-        </p:txBody>
-      </p:sp>
-      <p:sp>
-        <p:nvSpPr>
-          <p:cNvPr id="4" name="Date Placeholder 3"/>
-          <p:cNvSpPr>
-            <a:spLocks noGrp="1"/>
-          </p:cNvSpPr>
-          <p:nvPr>
-            <p:ph type="dt" sz="half" idx="10"/>
-          </p:nvPr>
-        </p:nvSpPr>
-        <p:spPr/>
-        <p:txBody>
-          <a:bodyPr/>
-          <a:lstStyle/>
-          <a:p>
-            <a:fld id="{5BCAD085-E8A6-8845-BD4E-CB4CCA059FC4}" type="datetimeFigureOut">
-              <a:rPr lang="en-US" smtClean="0"/>
-              <a:t>1/27/13</a:t>
+              <a:t>1/2/22</a:t>
             </a:fld>
             <a:endParaRPr lang="en-US"/>
           </a:p>
@@ -498,7 +513,7 @@
           <a:bodyPr/>
           <a:lstStyle/>
           <a:p>
-            <a:fld id="{C1FF6DA9-008F-8B48-92A6-B652298478BF}" type="slidenum">
+            <a:fld id="{C5EF2332-01BF-834F-8236-50238282D533}" type="slidenum">
               <a:rPr lang="en-US" smtClean="0"/>
               <a:t>‹#›</a:t>
             </a:fld>
@@ -509,7 +524,7 @@
     </p:spTree>
     <p:extLst>
       <p:ext uri="{BB962C8B-B14F-4D97-AF65-F5344CB8AC3E}">
-        <p14:creationId xmlns:p14="http://schemas.microsoft.com/office/powerpoint/2010/main" val="2910927964"/>
+        <p14:creationId xmlns:p14="http://schemas.microsoft.com/office/powerpoint/2010/main" val="313914798"/>
       </p:ext>
     </p:extLst>
   </p:cSld>
@@ -548,8 +563,8 @@
         </p:nvSpPr>
         <p:spPr>
           <a:xfrm>
-            <a:off x="6629400" y="274638"/>
-            <a:ext cx="2057400" cy="5851525"/>
+            <a:off x="6629400" y="205979"/>
+            <a:ext cx="2057400" cy="4388644"/>
           </a:xfrm>
         </p:spPr>
         <p:txBody>
@@ -557,10 +572,9 @@
           <a:lstStyle/>
           <a:p>
             <a:r>
-              <a:rPr lang="en-US" smtClean="0"/>
+              <a:rPr lang="en-US"/>
               <a:t>Click to edit Master title style</a:t>
             </a:r>
-            <a:endParaRPr lang="en-US"/>
           </a:p>
         </p:txBody>
       </p:sp>
@@ -576,8 +590,8 @@
         </p:nvSpPr>
         <p:spPr>
           <a:xfrm>
-            <a:off x="457200" y="274638"/>
-            <a:ext cx="6019800" cy="5851525"/>
+            <a:off x="457200" y="205979"/>
+            <a:ext cx="6019800" cy="4388644"/>
           </a:xfrm>
         </p:spPr>
         <p:txBody>
@@ -586,59 +600,58 @@
           <a:p>
             <a:pPr lvl="0"/>
             <a:r>
+              <a:rPr lang="en-US"/>
+              <a:t>Click to edit Master text styles</a:t>
+            </a:r>
+          </a:p>
+          <a:p>
+            <a:pPr lvl="1"/>
+            <a:r>
+              <a:rPr lang="en-US"/>
+              <a:t>Second level</a:t>
+            </a:r>
+          </a:p>
+          <a:p>
+            <a:pPr lvl="2"/>
+            <a:r>
+              <a:rPr lang="en-US"/>
+              <a:t>Third level</a:t>
+            </a:r>
+          </a:p>
+          <a:p>
+            <a:pPr lvl="3"/>
+            <a:r>
+              <a:rPr lang="en-US"/>
+              <a:t>Fourth level</a:t>
+            </a:r>
+          </a:p>
+          <a:p>
+            <a:pPr lvl="4"/>
+            <a:r>
+              <a:rPr lang="en-US"/>
+              <a:t>Fifth level</a:t>
+            </a:r>
+          </a:p>
+        </p:txBody>
+      </p:sp>
+      <p:sp>
+        <p:nvSpPr>
+          <p:cNvPr id="4" name="Date Placeholder 3"/>
+          <p:cNvSpPr>
+            <a:spLocks noGrp="1"/>
+          </p:cNvSpPr>
+          <p:nvPr>
+            <p:ph type="dt" sz="half" idx="10"/>
+          </p:nvPr>
+        </p:nvSpPr>
+        <p:spPr/>
+        <p:txBody>
+          <a:bodyPr/>
+          <a:lstStyle/>
+          <a:p>
+            <a:fld id="{241EB5C9-1307-BA42-ABA2-0BC069CD8E7F}" type="datetimeFigureOut">
               <a:rPr lang="en-US" smtClean="0"/>
-              <a:t>Click to edit Master text styles</a:t>
-            </a:r>
-          </a:p>
-          <a:p>
-            <a:pPr lvl="1"/>
-            <a:r>
-              <a:rPr lang="en-US" smtClean="0"/>
-              <a:t>Second level</a:t>
-            </a:r>
-          </a:p>
-          <a:p>
-            <a:pPr lvl="2"/>
-            <a:r>
-              <a:rPr lang="en-US" smtClean="0"/>
-              <a:t>Third level</a:t>
-            </a:r>
-          </a:p>
-          <a:p>
-            <a:pPr lvl="3"/>
-            <a:r>
-              <a:rPr lang="en-US" smtClean="0"/>
-              <a:t>Fourth level</a:t>
-            </a:r>
-          </a:p>
-          <a:p>
-            <a:pPr lvl="4"/>
-            <a:r>
-              <a:rPr lang="en-US" smtClean="0"/>
-              <a:t>Fifth level</a:t>
-            </a:r>
-            <a:endParaRPr lang="en-US"/>
-          </a:p>
-        </p:txBody>
-      </p:sp>
-      <p:sp>
-        <p:nvSpPr>
-          <p:cNvPr id="4" name="Date Placeholder 3"/>
-          <p:cNvSpPr>
-            <a:spLocks noGrp="1"/>
-          </p:cNvSpPr>
-          <p:nvPr>
-            <p:ph type="dt" sz="half" idx="10"/>
-          </p:nvPr>
-        </p:nvSpPr>
-        <p:spPr/>
-        <p:txBody>
-          <a:bodyPr/>
-          <a:lstStyle/>
-          <a:p>
-            <a:fld id="{5BCAD085-E8A6-8845-BD4E-CB4CCA059FC4}" type="datetimeFigureOut">
-              <a:rPr lang="en-US" smtClean="0"/>
-              <a:t>1/27/13</a:t>
+              <a:t>1/2/22</a:t>
             </a:fld>
             <a:endParaRPr lang="en-US"/>
           </a:p>
@@ -678,7 +691,7 @@
           <a:bodyPr/>
           <a:lstStyle/>
           <a:p>
-            <a:fld id="{C1FF6DA9-008F-8B48-92A6-B652298478BF}" type="slidenum">
+            <a:fld id="{C5EF2332-01BF-834F-8236-50238282D533}" type="slidenum">
               <a:rPr lang="en-US" smtClean="0"/>
               <a:t>‹#›</a:t>
             </a:fld>
@@ -689,7 +702,7 @@
     </p:spTree>
     <p:extLst>
       <p:ext uri="{BB962C8B-B14F-4D97-AF65-F5344CB8AC3E}">
-        <p14:creationId xmlns:p14="http://schemas.microsoft.com/office/powerpoint/2010/main" val="3612223792"/>
+        <p14:creationId xmlns:p14="http://schemas.microsoft.com/office/powerpoint/2010/main" val="2581529045"/>
       </p:ext>
     </p:extLst>
   </p:cSld>
@@ -732,83 +745,81 @@
           <a:lstStyle/>
           <a:p>
             <a:r>
+              <a:rPr lang="en-US"/>
+              <a:t>Click to edit Master title style</a:t>
+            </a:r>
+          </a:p>
+        </p:txBody>
+      </p:sp>
+      <p:sp>
+        <p:nvSpPr>
+          <p:cNvPr id="3" name="Content Placeholder 2"/>
+          <p:cNvSpPr>
+            <a:spLocks noGrp="1"/>
+          </p:cNvSpPr>
+          <p:nvPr>
+            <p:ph idx="1"/>
+          </p:nvPr>
+        </p:nvSpPr>
+        <p:spPr/>
+        <p:txBody>
+          <a:bodyPr/>
+          <a:lstStyle/>
+          <a:p>
+            <a:pPr lvl="0"/>
+            <a:r>
+              <a:rPr lang="en-US"/>
+              <a:t>Click to edit Master text styles</a:t>
+            </a:r>
+          </a:p>
+          <a:p>
+            <a:pPr lvl="1"/>
+            <a:r>
+              <a:rPr lang="en-US"/>
+              <a:t>Second level</a:t>
+            </a:r>
+          </a:p>
+          <a:p>
+            <a:pPr lvl="2"/>
+            <a:r>
+              <a:rPr lang="en-US"/>
+              <a:t>Third level</a:t>
+            </a:r>
+          </a:p>
+          <a:p>
+            <a:pPr lvl="3"/>
+            <a:r>
+              <a:rPr lang="en-US"/>
+              <a:t>Fourth level</a:t>
+            </a:r>
+          </a:p>
+          <a:p>
+            <a:pPr lvl="4"/>
+            <a:r>
+              <a:rPr lang="en-US"/>
+              <a:t>Fifth level</a:t>
+            </a:r>
+          </a:p>
+        </p:txBody>
+      </p:sp>
+      <p:sp>
+        <p:nvSpPr>
+          <p:cNvPr id="4" name="Date Placeholder 3"/>
+          <p:cNvSpPr>
+            <a:spLocks noGrp="1"/>
+          </p:cNvSpPr>
+          <p:nvPr>
+            <p:ph type="dt" sz="half" idx="10"/>
+          </p:nvPr>
+        </p:nvSpPr>
+        <p:spPr/>
+        <p:txBody>
+          <a:bodyPr/>
+          <a:lstStyle/>
+          <a:p>
+            <a:fld id="{241EB5C9-1307-BA42-ABA2-0BC069CD8E7F}" type="datetimeFigureOut">
               <a:rPr lang="en-US" smtClean="0"/>
-              <a:t>Click to edit Master title style</a:t>
-            </a:r>
-            <a:endParaRPr lang="en-US"/>
-          </a:p>
-        </p:txBody>
-      </p:sp>
-      <p:sp>
-        <p:nvSpPr>
-          <p:cNvPr id="3" name="Content Placeholder 2"/>
-          <p:cNvSpPr>
-            <a:spLocks noGrp="1"/>
-          </p:cNvSpPr>
-          <p:nvPr>
-            <p:ph idx="1"/>
-          </p:nvPr>
-        </p:nvSpPr>
-        <p:spPr/>
-        <p:txBody>
-          <a:bodyPr/>
-          <a:lstStyle/>
-          <a:p>
-            <a:pPr lvl="0"/>
-            <a:r>
-              <a:rPr lang="en-US" smtClean="0"/>
-              <a:t>Click to edit Master text styles</a:t>
-            </a:r>
-          </a:p>
-          <a:p>
-            <a:pPr lvl="1"/>
-            <a:r>
-              <a:rPr lang="en-US" smtClean="0"/>
-              <a:t>Second level</a:t>
-            </a:r>
-          </a:p>
-          <a:p>
-            <a:pPr lvl="2"/>
-            <a:r>
-              <a:rPr lang="en-US" smtClean="0"/>
-              <a:t>Third level</a:t>
-            </a:r>
-          </a:p>
-          <a:p>
-            <a:pPr lvl="3"/>
-            <a:r>
-              <a:rPr lang="en-US" smtClean="0"/>
-              <a:t>Fourth level</a:t>
-            </a:r>
-          </a:p>
-          <a:p>
-            <a:pPr lvl="4"/>
-            <a:r>
-              <a:rPr lang="en-US" smtClean="0"/>
-              <a:t>Fifth level</a:t>
-            </a:r>
-            <a:endParaRPr lang="en-US"/>
-          </a:p>
-        </p:txBody>
-      </p:sp>
-      <p:sp>
-        <p:nvSpPr>
-          <p:cNvPr id="4" name="Date Placeholder 3"/>
-          <p:cNvSpPr>
-            <a:spLocks noGrp="1"/>
-          </p:cNvSpPr>
-          <p:nvPr>
-            <p:ph type="dt" sz="half" idx="10"/>
-          </p:nvPr>
-        </p:nvSpPr>
-        <p:spPr/>
-        <p:txBody>
-          <a:bodyPr/>
-          <a:lstStyle/>
-          <a:p>
-            <a:fld id="{5BCAD085-E8A6-8845-BD4E-CB4CCA059FC4}" type="datetimeFigureOut">
-              <a:rPr lang="en-US" smtClean="0"/>
-              <a:t>1/27/13</a:t>
+              <a:t>1/2/22</a:t>
             </a:fld>
             <a:endParaRPr lang="en-US"/>
           </a:p>
@@ -848,7 +859,7 @@
           <a:bodyPr/>
           <a:lstStyle/>
           <a:p>
-            <a:fld id="{C1FF6DA9-008F-8B48-92A6-B652298478BF}" type="slidenum">
+            <a:fld id="{C5EF2332-01BF-834F-8236-50238282D533}" type="slidenum">
               <a:rPr lang="en-US" smtClean="0"/>
               <a:t>‹#›</a:t>
             </a:fld>
@@ -859,7 +870,7 @@
     </p:spTree>
     <p:extLst>
       <p:ext uri="{BB962C8B-B14F-4D97-AF65-F5344CB8AC3E}">
-        <p14:creationId xmlns:p14="http://schemas.microsoft.com/office/powerpoint/2010/main" val="2614314258"/>
+        <p14:creationId xmlns:p14="http://schemas.microsoft.com/office/powerpoint/2010/main" val="338346009"/>
       </p:ext>
     </p:extLst>
   </p:cSld>
@@ -898,23 +909,22 @@
         </p:nvSpPr>
         <p:spPr>
           <a:xfrm>
-            <a:off x="722313" y="4406900"/>
-            <a:ext cx="7772400" cy="1362075"/>
+            <a:off x="722313" y="3305176"/>
+            <a:ext cx="7772400" cy="1021556"/>
           </a:xfrm>
         </p:spPr>
         <p:txBody>
           <a:bodyPr anchor="t"/>
           <a:lstStyle>
             <a:lvl1pPr algn="l">
-              <a:defRPr sz="4000" b="1" cap="all"/>
+              <a:defRPr sz="3000" b="1" cap="all"/>
             </a:lvl1pPr>
           </a:lstStyle>
           <a:p>
             <a:r>
-              <a:rPr lang="en-US" smtClean="0"/>
+              <a:rPr lang="en-US"/>
               <a:t>Click to edit Master title style</a:t>
             </a:r>
-            <a:endParaRPr lang="en-US"/>
           </a:p>
         </p:txBody>
       </p:sp>
@@ -930,8 +940,8 @@
         </p:nvSpPr>
         <p:spPr>
           <a:xfrm>
-            <a:off x="722313" y="2906713"/>
-            <a:ext cx="7772400" cy="1500187"/>
+            <a:off x="722313" y="2180035"/>
+            <a:ext cx="7772400" cy="1125140"/>
           </a:xfrm>
         </p:spPr>
         <p:txBody>
@@ -939,7 +949,7 @@
           <a:lstStyle>
             <a:lvl1pPr marL="0" indent="0">
               <a:buNone/>
-              <a:defRPr sz="2000">
+              <a:defRPr sz="1500">
                 <a:solidFill>
                   <a:schemeClr val="tx1">
                     <a:tint val="75000"/>
@@ -947,9 +957,9 @@
                 </a:solidFill>
               </a:defRPr>
             </a:lvl1pPr>
-            <a:lvl2pPr marL="457200" indent="0">
-              <a:buNone/>
-              <a:defRPr sz="1800">
+            <a:lvl2pPr marL="342900" indent="0">
+              <a:buNone/>
+              <a:defRPr sz="1350">
                 <a:solidFill>
                   <a:schemeClr val="tx1">
                     <a:tint val="75000"/>
@@ -957,9 +967,9 @@
                 </a:solidFill>
               </a:defRPr>
             </a:lvl2pPr>
-            <a:lvl3pPr marL="914400" indent="0">
-              <a:buNone/>
-              <a:defRPr sz="1600">
+            <a:lvl3pPr marL="685800" indent="0">
+              <a:buNone/>
+              <a:defRPr sz="1200">
                 <a:solidFill>
                   <a:schemeClr val="tx1">
                     <a:tint val="75000"/>
@@ -967,9 +977,9 @@
                 </a:solidFill>
               </a:defRPr>
             </a:lvl3pPr>
-            <a:lvl4pPr marL="1371600" indent="0">
-              <a:buNone/>
-              <a:defRPr sz="1400">
+            <a:lvl4pPr marL="1028700" indent="0">
+              <a:buNone/>
+              <a:defRPr sz="1050">
                 <a:solidFill>
                   <a:schemeClr val="tx1">
                     <a:tint val="75000"/>
@@ -977,9 +987,9 @@
                 </a:solidFill>
               </a:defRPr>
             </a:lvl4pPr>
-            <a:lvl5pPr marL="1828800" indent="0">
-              <a:buNone/>
-              <a:defRPr sz="1400">
+            <a:lvl5pPr marL="1371600" indent="0">
+              <a:buNone/>
+              <a:defRPr sz="1050">
                 <a:solidFill>
                   <a:schemeClr val="tx1">
                     <a:tint val="75000"/>
@@ -987,9 +997,9 @@
                 </a:solidFill>
               </a:defRPr>
             </a:lvl5pPr>
-            <a:lvl6pPr marL="2286000" indent="0">
-              <a:buNone/>
-              <a:defRPr sz="1400">
+            <a:lvl6pPr marL="1714500" indent="0">
+              <a:buNone/>
+              <a:defRPr sz="1050">
                 <a:solidFill>
                   <a:schemeClr val="tx1">
                     <a:tint val="75000"/>
@@ -997,9 +1007,9 @@
                 </a:solidFill>
               </a:defRPr>
             </a:lvl6pPr>
-            <a:lvl7pPr marL="2743200" indent="0">
-              <a:buNone/>
-              <a:defRPr sz="1400">
+            <a:lvl7pPr marL="2057400" indent="0">
+              <a:buNone/>
+              <a:defRPr sz="1050">
                 <a:solidFill>
                   <a:schemeClr val="tx1">
                     <a:tint val="75000"/>
@@ -1007,9 +1017,9 @@
                 </a:solidFill>
               </a:defRPr>
             </a:lvl7pPr>
-            <a:lvl8pPr marL="3200400" indent="0">
-              <a:buNone/>
-              <a:defRPr sz="1400">
+            <a:lvl8pPr marL="2400300" indent="0">
+              <a:buNone/>
+              <a:defRPr sz="1050">
                 <a:solidFill>
                   <a:schemeClr val="tx1">
                     <a:tint val="75000"/>
@@ -1017,9 +1027,9 @@
                 </a:solidFill>
               </a:defRPr>
             </a:lvl8pPr>
-            <a:lvl9pPr marL="3657600" indent="0">
-              <a:buNone/>
-              <a:defRPr sz="1400">
+            <a:lvl9pPr marL="2743200" indent="0">
+              <a:buNone/>
+              <a:defRPr sz="1050">
                 <a:solidFill>
                   <a:schemeClr val="tx1">
                     <a:tint val="75000"/>
@@ -1031,30 +1041,30 @@
           <a:p>
             <a:pPr lvl="0"/>
             <a:r>
+              <a:rPr lang="en-US"/>
+              <a:t>Click to edit Master text styles</a:t>
+            </a:r>
+          </a:p>
+        </p:txBody>
+      </p:sp>
+      <p:sp>
+        <p:nvSpPr>
+          <p:cNvPr id="4" name="Date Placeholder 3"/>
+          <p:cNvSpPr>
+            <a:spLocks noGrp="1"/>
+          </p:cNvSpPr>
+          <p:nvPr>
+            <p:ph type="dt" sz="half" idx="10"/>
+          </p:nvPr>
+        </p:nvSpPr>
+        <p:spPr/>
+        <p:txBody>
+          <a:bodyPr/>
+          <a:lstStyle/>
+          <a:p>
+            <a:fld id="{241EB5C9-1307-BA42-ABA2-0BC069CD8E7F}" type="datetimeFigureOut">
               <a:rPr lang="en-US" smtClean="0"/>
-              <a:t>Click to edit Master text styles</a:t>
-            </a:r>
-          </a:p>
-        </p:txBody>
-      </p:sp>
-      <p:sp>
-        <p:nvSpPr>
-          <p:cNvPr id="4" name="Date Placeholder 3"/>
-          <p:cNvSpPr>
-            <a:spLocks noGrp="1"/>
-          </p:cNvSpPr>
-          <p:nvPr>
-            <p:ph type="dt" sz="half" idx="10"/>
-          </p:nvPr>
-        </p:nvSpPr>
-        <p:spPr/>
-        <p:txBody>
-          <a:bodyPr/>
-          <a:lstStyle/>
-          <a:p>
-            <a:fld id="{5BCAD085-E8A6-8845-BD4E-CB4CCA059FC4}" type="datetimeFigureOut">
-              <a:rPr lang="en-US" smtClean="0"/>
-              <a:t>1/27/13</a:t>
+              <a:t>1/2/22</a:t>
             </a:fld>
             <a:endParaRPr lang="en-US"/>
           </a:p>
@@ -1094,7 +1104,7 @@
           <a:bodyPr/>
           <a:lstStyle/>
           <a:p>
-            <a:fld id="{C1FF6DA9-008F-8B48-92A6-B652298478BF}" type="slidenum">
+            <a:fld id="{C5EF2332-01BF-834F-8236-50238282D533}" type="slidenum">
               <a:rPr lang="en-US" smtClean="0"/>
               <a:t>‹#›</a:t>
             </a:fld>
@@ -1105,7 +1115,7 @@
     </p:spTree>
     <p:extLst>
       <p:ext uri="{BB962C8B-B14F-4D97-AF65-F5344CB8AC3E}">
-        <p14:creationId xmlns:p14="http://schemas.microsoft.com/office/powerpoint/2010/main" val="960648375"/>
+        <p14:creationId xmlns:p14="http://schemas.microsoft.com/office/powerpoint/2010/main" val="1073069076"/>
       </p:ext>
     </p:extLst>
   </p:cSld>
@@ -1148,10 +1158,9 @@
           <a:lstStyle/>
           <a:p>
             <a:r>
-              <a:rPr lang="en-US" smtClean="0"/>
+              <a:rPr lang="en-US"/>
               <a:t>Click to edit Master title style</a:t>
             </a:r>
-            <a:endParaRPr lang="en-US"/>
           </a:p>
         </p:txBody>
       </p:sp>
@@ -1167,76 +1176,75 @@
         </p:nvSpPr>
         <p:spPr>
           <a:xfrm>
-            <a:off x="457200" y="1600200"/>
-            <a:ext cx="4038600" cy="4525963"/>
+            <a:off x="457200" y="1200151"/>
+            <a:ext cx="4038600" cy="3394472"/>
           </a:xfrm>
         </p:spPr>
         <p:txBody>
           <a:bodyPr/>
           <a:lstStyle>
             <a:lvl1pPr>
-              <a:defRPr sz="2800"/>
+              <a:defRPr sz="2100"/>
             </a:lvl1pPr>
             <a:lvl2pPr>
-              <a:defRPr sz="2400"/>
+              <a:defRPr sz="1800"/>
             </a:lvl2pPr>
             <a:lvl3pPr>
-              <a:defRPr sz="2000"/>
+              <a:defRPr sz="1500"/>
             </a:lvl3pPr>
             <a:lvl4pPr>
-              <a:defRPr sz="1800"/>
+              <a:defRPr sz="1350"/>
             </a:lvl4pPr>
             <a:lvl5pPr>
-              <a:defRPr sz="1800"/>
+              <a:defRPr sz="1350"/>
             </a:lvl5pPr>
             <a:lvl6pPr>
-              <a:defRPr sz="1800"/>
+              <a:defRPr sz="1350"/>
             </a:lvl6pPr>
             <a:lvl7pPr>
-              <a:defRPr sz="1800"/>
+              <a:defRPr sz="1350"/>
             </a:lvl7pPr>
             <a:lvl8pPr>
-              <a:defRPr sz="1800"/>
+              <a:defRPr sz="1350"/>
             </a:lvl8pPr>
             <a:lvl9pPr>
-              <a:defRPr sz="1800"/>
+              <a:defRPr sz="1350"/>
             </a:lvl9pPr>
           </a:lstStyle>
           <a:p>
             <a:pPr lvl="0"/>
             <a:r>
-              <a:rPr lang="en-US" smtClean="0"/>
+              <a:rPr lang="en-US"/>
               <a:t>Click to edit Master text styles</a:t>
             </a:r>
           </a:p>
           <a:p>
             <a:pPr lvl="1"/>
             <a:r>
-              <a:rPr lang="en-US" smtClean="0"/>
+              <a:rPr lang="en-US"/>
               <a:t>Second level</a:t>
             </a:r>
           </a:p>
           <a:p>
             <a:pPr lvl="2"/>
             <a:r>
-              <a:rPr lang="en-US" smtClean="0"/>
+              <a:rPr lang="en-US"/>
               <a:t>Third level</a:t>
             </a:r>
           </a:p>
           <a:p>
             <a:pPr lvl="3"/>
             <a:r>
-              <a:rPr lang="en-US" smtClean="0"/>
+              <a:rPr lang="en-US"/>
               <a:t>Fourth level</a:t>
             </a:r>
           </a:p>
           <a:p>
             <a:pPr lvl="4"/>
             <a:r>
-              <a:rPr lang="en-US" smtClean="0"/>
+              <a:rPr lang="en-US"/>
               <a:t>Fifth level</a:t>
             </a:r>
-            <a:endParaRPr lang="en-US"/>
           </a:p>
         </p:txBody>
       </p:sp>
@@ -1252,97 +1260,96 @@
         </p:nvSpPr>
         <p:spPr>
           <a:xfrm>
-            <a:off x="4648200" y="1600200"/>
-            <a:ext cx="4038600" cy="4525963"/>
+            <a:off x="4648200" y="1200151"/>
+            <a:ext cx="4038600" cy="3394472"/>
           </a:xfrm>
         </p:spPr>
         <p:txBody>
           <a:bodyPr/>
           <a:lstStyle>
             <a:lvl1pPr>
-              <a:defRPr sz="2800"/>
+              <a:defRPr sz="2100"/>
             </a:lvl1pPr>
             <a:lvl2pPr>
-              <a:defRPr sz="2400"/>
+              <a:defRPr sz="1800"/>
             </a:lvl2pPr>
             <a:lvl3pPr>
-              <a:defRPr sz="2000"/>
+              <a:defRPr sz="1500"/>
             </a:lvl3pPr>
             <a:lvl4pPr>
-              <a:defRPr sz="1800"/>
+              <a:defRPr sz="1350"/>
             </a:lvl4pPr>
             <a:lvl5pPr>
-              <a:defRPr sz="1800"/>
+              <a:defRPr sz="1350"/>
             </a:lvl5pPr>
             <a:lvl6pPr>
-              <a:defRPr sz="1800"/>
+              <a:defRPr sz="1350"/>
             </a:lvl6pPr>
             <a:lvl7pPr>
-              <a:defRPr sz="1800"/>
+              <a:defRPr sz="1350"/>
             </a:lvl7pPr>
             <a:lvl8pPr>
-              <a:defRPr sz="1800"/>
+              <a:defRPr sz="1350"/>
             </a:lvl8pPr>
             <a:lvl9pPr>
-              <a:defRPr sz="1800"/>
+              <a:defRPr sz="1350"/>
             </a:lvl9pPr>
           </a:lstStyle>
           <a:p>
             <a:pPr lvl="0"/>
             <a:r>
+              <a:rPr lang="en-US"/>
+              <a:t>Click to edit Master text styles</a:t>
+            </a:r>
+          </a:p>
+          <a:p>
+            <a:pPr lvl="1"/>
+            <a:r>
+              <a:rPr lang="en-US"/>
+              <a:t>Second level</a:t>
+            </a:r>
+          </a:p>
+          <a:p>
+            <a:pPr lvl="2"/>
+            <a:r>
+              <a:rPr lang="en-US"/>
+              <a:t>Third level</a:t>
+            </a:r>
+          </a:p>
+          <a:p>
+            <a:pPr lvl="3"/>
+            <a:r>
+              <a:rPr lang="en-US"/>
+              <a:t>Fourth level</a:t>
+            </a:r>
+          </a:p>
+          <a:p>
+            <a:pPr lvl="4"/>
+            <a:r>
+              <a:rPr lang="en-US"/>
+              <a:t>Fifth level</a:t>
+            </a:r>
+          </a:p>
+        </p:txBody>
+      </p:sp>
+      <p:sp>
+        <p:nvSpPr>
+          <p:cNvPr id="5" name="Date Placeholder 4"/>
+          <p:cNvSpPr>
+            <a:spLocks noGrp="1"/>
+          </p:cNvSpPr>
+          <p:nvPr>
+            <p:ph type="dt" sz="half" idx="10"/>
+          </p:nvPr>
+        </p:nvSpPr>
+        <p:spPr/>
+        <p:txBody>
+          <a:bodyPr/>
+          <a:lstStyle/>
+          <a:p>
+            <a:fld id="{241EB5C9-1307-BA42-ABA2-0BC069CD8E7F}" type="datetimeFigureOut">
               <a:rPr lang="en-US" smtClean="0"/>
-              <a:t>Click to edit Master text styles</a:t>
-            </a:r>
-          </a:p>
-          <a:p>
-            <a:pPr lvl="1"/>
-            <a:r>
-              <a:rPr lang="en-US" smtClean="0"/>
-              <a:t>Second level</a:t>
-            </a:r>
-          </a:p>
-          <a:p>
-            <a:pPr lvl="2"/>
-            <a:r>
-              <a:rPr lang="en-US" smtClean="0"/>
-              <a:t>Third level</a:t>
-            </a:r>
-          </a:p>
-          <a:p>
-            <a:pPr lvl="3"/>
-            <a:r>
-              <a:rPr lang="en-US" smtClean="0"/>
-              <a:t>Fourth level</a:t>
-            </a:r>
-          </a:p>
-          <a:p>
-            <a:pPr lvl="4"/>
-            <a:r>
-              <a:rPr lang="en-US" smtClean="0"/>
-              <a:t>Fifth level</a:t>
-            </a:r>
-            <a:endParaRPr lang="en-US"/>
-          </a:p>
-        </p:txBody>
-      </p:sp>
-      <p:sp>
-        <p:nvSpPr>
-          <p:cNvPr id="5" name="Date Placeholder 4"/>
-          <p:cNvSpPr>
-            <a:spLocks noGrp="1"/>
-          </p:cNvSpPr>
-          <p:nvPr>
-            <p:ph type="dt" sz="half" idx="10"/>
-          </p:nvPr>
-        </p:nvSpPr>
-        <p:spPr/>
-        <p:txBody>
-          <a:bodyPr/>
-          <a:lstStyle/>
-          <a:p>
-            <a:fld id="{5BCAD085-E8A6-8845-BD4E-CB4CCA059FC4}" type="datetimeFigureOut">
-              <a:rPr lang="en-US" smtClean="0"/>
-              <a:t>1/27/13</a:t>
+              <a:t>1/2/22</a:t>
             </a:fld>
             <a:endParaRPr lang="en-US"/>
           </a:p>
@@ -1382,7 +1389,7 @@
           <a:bodyPr/>
           <a:lstStyle/>
           <a:p>
-            <a:fld id="{C1FF6DA9-008F-8B48-92A6-B652298478BF}" type="slidenum">
+            <a:fld id="{C5EF2332-01BF-834F-8236-50238282D533}" type="slidenum">
               <a:rPr lang="en-US" smtClean="0"/>
               <a:t>‹#›</a:t>
             </a:fld>
@@ -1393,7 +1400,7 @@
     </p:spTree>
     <p:extLst>
       <p:ext uri="{BB962C8B-B14F-4D97-AF65-F5344CB8AC3E}">
-        <p14:creationId xmlns:p14="http://schemas.microsoft.com/office/powerpoint/2010/main" val="2782244947"/>
+        <p14:creationId xmlns:p14="http://schemas.microsoft.com/office/powerpoint/2010/main" val="2619886245"/>
       </p:ext>
     </p:extLst>
   </p:cSld>
@@ -1440,10 +1447,9 @@
           </a:lstStyle>
           <a:p>
             <a:r>
-              <a:rPr lang="en-US" smtClean="0"/>
+              <a:rPr lang="en-US"/>
               <a:t>Click to edit Master title style</a:t>
             </a:r>
-            <a:endParaRPr lang="en-US"/>
           </a:p>
         </p:txBody>
       </p:sp>
@@ -1459,8 +1465,8 @@
         </p:nvSpPr>
         <p:spPr>
           <a:xfrm>
-            <a:off x="457200" y="1535113"/>
-            <a:ext cx="4040188" cy="639762"/>
+            <a:off x="457200" y="1151335"/>
+            <a:ext cx="4040188" cy="479822"/>
           </a:xfrm>
         </p:spPr>
         <p:txBody>
@@ -1468,45 +1474,45 @@
           <a:lstStyle>
             <a:lvl1pPr marL="0" indent="0">
               <a:buNone/>
-              <a:defRPr sz="2400" b="1"/>
+              <a:defRPr sz="1800" b="1"/>
             </a:lvl1pPr>
-            <a:lvl2pPr marL="457200" indent="0">
-              <a:buNone/>
-              <a:defRPr sz="2000" b="1"/>
+            <a:lvl2pPr marL="342900" indent="0">
+              <a:buNone/>
+              <a:defRPr sz="1500" b="1"/>
             </a:lvl2pPr>
-            <a:lvl3pPr marL="914400" indent="0">
-              <a:buNone/>
-              <a:defRPr sz="1800" b="1"/>
+            <a:lvl3pPr marL="685800" indent="0">
+              <a:buNone/>
+              <a:defRPr sz="1350" b="1"/>
             </a:lvl3pPr>
-            <a:lvl4pPr marL="1371600" indent="0">
-              <a:buNone/>
-              <a:defRPr sz="1600" b="1"/>
+            <a:lvl4pPr marL="1028700" indent="0">
+              <a:buNone/>
+              <a:defRPr sz="1200" b="1"/>
             </a:lvl4pPr>
-            <a:lvl5pPr marL="1828800" indent="0">
-              <a:buNone/>
-              <a:defRPr sz="1600" b="1"/>
+            <a:lvl5pPr marL="1371600" indent="0">
+              <a:buNone/>
+              <a:defRPr sz="1200" b="1"/>
             </a:lvl5pPr>
-            <a:lvl6pPr marL="2286000" indent="0">
-              <a:buNone/>
-              <a:defRPr sz="1600" b="1"/>
+            <a:lvl6pPr marL="1714500" indent="0">
+              <a:buNone/>
+              <a:defRPr sz="1200" b="1"/>
             </a:lvl6pPr>
-            <a:lvl7pPr marL="2743200" indent="0">
-              <a:buNone/>
-              <a:defRPr sz="1600" b="1"/>
+            <a:lvl7pPr marL="2057400" indent="0">
+              <a:buNone/>
+              <a:defRPr sz="1200" b="1"/>
             </a:lvl7pPr>
-            <a:lvl8pPr marL="3200400" indent="0">
-              <a:buNone/>
-              <a:defRPr sz="1600" b="1"/>
+            <a:lvl8pPr marL="2400300" indent="0">
+              <a:buNone/>
+              <a:defRPr sz="1200" b="1"/>
             </a:lvl8pPr>
-            <a:lvl9pPr marL="3657600" indent="0">
-              <a:buNone/>
-              <a:defRPr sz="1600" b="1"/>
+            <a:lvl9pPr marL="2743200" indent="0">
+              <a:buNone/>
+              <a:defRPr sz="1200" b="1"/>
             </a:lvl9pPr>
           </a:lstStyle>
           <a:p>
             <a:pPr lvl="0"/>
             <a:r>
-              <a:rPr lang="en-US" smtClean="0"/>
+              <a:rPr lang="en-US"/>
               <a:t>Click to edit Master text styles</a:t>
             </a:r>
           </a:p>
@@ -1524,76 +1530,75 @@
         </p:nvSpPr>
         <p:spPr>
           <a:xfrm>
-            <a:off x="457200" y="2174875"/>
-            <a:ext cx="4040188" cy="3951288"/>
+            <a:off x="457200" y="1631156"/>
+            <a:ext cx="4040188" cy="2963466"/>
           </a:xfrm>
         </p:spPr>
         <p:txBody>
           <a:bodyPr/>
           <a:lstStyle>
             <a:lvl1pPr>
-              <a:defRPr sz="2400"/>
+              <a:defRPr sz="1800"/>
             </a:lvl1pPr>
             <a:lvl2pPr>
-              <a:defRPr sz="2000"/>
+              <a:defRPr sz="1500"/>
             </a:lvl2pPr>
             <a:lvl3pPr>
-              <a:defRPr sz="1800"/>
+              <a:defRPr sz="1350"/>
             </a:lvl3pPr>
             <a:lvl4pPr>
-              <a:defRPr sz="1600"/>
+              <a:defRPr sz="1200"/>
             </a:lvl4pPr>
             <a:lvl5pPr>
-              <a:defRPr sz="1600"/>
+              <a:defRPr sz="1200"/>
             </a:lvl5pPr>
             <a:lvl6pPr>
-              <a:defRPr sz="1600"/>
+              <a:defRPr sz="1200"/>
             </a:lvl6pPr>
             <a:lvl7pPr>
-              <a:defRPr sz="1600"/>
+              <a:defRPr sz="1200"/>
             </a:lvl7pPr>
             <a:lvl8pPr>
-              <a:defRPr sz="1600"/>
+              <a:defRPr sz="1200"/>
             </a:lvl8pPr>
             <a:lvl9pPr>
-              <a:defRPr sz="1600"/>
+              <a:defRPr sz="1200"/>
             </a:lvl9pPr>
           </a:lstStyle>
           <a:p>
             <a:pPr lvl="0"/>
             <a:r>
-              <a:rPr lang="en-US" smtClean="0"/>
+              <a:rPr lang="en-US"/>
               <a:t>Click to edit Master text styles</a:t>
             </a:r>
           </a:p>
           <a:p>
             <a:pPr lvl="1"/>
             <a:r>
-              <a:rPr lang="en-US" smtClean="0"/>
+              <a:rPr lang="en-US"/>
               <a:t>Second level</a:t>
             </a:r>
           </a:p>
           <a:p>
             <a:pPr lvl="2"/>
             <a:r>
-              <a:rPr lang="en-US" smtClean="0"/>
+              <a:rPr lang="en-US"/>
               <a:t>Third level</a:t>
             </a:r>
           </a:p>
           <a:p>
             <a:pPr lvl="3"/>
             <a:r>
-              <a:rPr lang="en-US" smtClean="0"/>
+              <a:rPr lang="en-US"/>
               <a:t>Fourth level</a:t>
             </a:r>
           </a:p>
           <a:p>
             <a:pPr lvl="4"/>
             <a:r>
-              <a:rPr lang="en-US" smtClean="0"/>
+              <a:rPr lang="en-US"/>
               <a:t>Fifth level</a:t>
             </a:r>
-            <a:endParaRPr lang="en-US"/>
           </a:p>
         </p:txBody>
       </p:sp>
@@ -1609,8 +1614,8 @@
         </p:nvSpPr>
         <p:spPr>
           <a:xfrm>
-            <a:off x="4645025" y="1535113"/>
-            <a:ext cx="4041775" cy="639762"/>
+            <a:off x="4645026" y="1151335"/>
+            <a:ext cx="4041775" cy="479822"/>
           </a:xfrm>
         </p:spPr>
         <p:txBody>
@@ -1618,45 +1623,45 @@
           <a:lstStyle>
             <a:lvl1pPr marL="0" indent="0">
               <a:buNone/>
-              <a:defRPr sz="2400" b="1"/>
+              <a:defRPr sz="1800" b="1"/>
             </a:lvl1pPr>
-            <a:lvl2pPr marL="457200" indent="0">
-              <a:buNone/>
-              <a:defRPr sz="2000" b="1"/>
+            <a:lvl2pPr marL="342900" indent="0">
+              <a:buNone/>
+              <a:defRPr sz="1500" b="1"/>
             </a:lvl2pPr>
-            <a:lvl3pPr marL="914400" indent="0">
-              <a:buNone/>
-              <a:defRPr sz="1800" b="1"/>
+            <a:lvl3pPr marL="685800" indent="0">
+              <a:buNone/>
+              <a:defRPr sz="1350" b="1"/>
             </a:lvl3pPr>
-            <a:lvl4pPr marL="1371600" indent="0">
-              <a:buNone/>
-              <a:defRPr sz="1600" b="1"/>
+            <a:lvl4pPr marL="1028700" indent="0">
+              <a:buNone/>
+              <a:defRPr sz="1200" b="1"/>
             </a:lvl4pPr>
-            <a:lvl5pPr marL="1828800" indent="0">
-              <a:buNone/>
-              <a:defRPr sz="1600" b="1"/>
+            <a:lvl5pPr marL="1371600" indent="0">
+              <a:buNone/>
+              <a:defRPr sz="1200" b="1"/>
             </a:lvl5pPr>
-            <a:lvl6pPr marL="2286000" indent="0">
-              <a:buNone/>
-              <a:defRPr sz="1600" b="1"/>
+            <a:lvl6pPr marL="1714500" indent="0">
+              <a:buNone/>
+              <a:defRPr sz="1200" b="1"/>
             </a:lvl6pPr>
-            <a:lvl7pPr marL="2743200" indent="0">
-              <a:buNone/>
-              <a:defRPr sz="1600" b="1"/>
+            <a:lvl7pPr marL="2057400" indent="0">
+              <a:buNone/>
+              <a:defRPr sz="1200" b="1"/>
             </a:lvl7pPr>
-            <a:lvl8pPr marL="3200400" indent="0">
-              <a:buNone/>
-              <a:defRPr sz="1600" b="1"/>
+            <a:lvl8pPr marL="2400300" indent="0">
+              <a:buNone/>
+              <a:defRPr sz="1200" b="1"/>
             </a:lvl8pPr>
-            <a:lvl9pPr marL="3657600" indent="0">
-              <a:buNone/>
-              <a:defRPr sz="1600" b="1"/>
+            <a:lvl9pPr marL="2743200" indent="0">
+              <a:buNone/>
+              <a:defRPr sz="1200" b="1"/>
             </a:lvl9pPr>
           </a:lstStyle>
           <a:p>
             <a:pPr lvl="0"/>
             <a:r>
-              <a:rPr lang="en-US" smtClean="0"/>
+              <a:rPr lang="en-US"/>
               <a:t>Click to edit Master text styles</a:t>
             </a:r>
           </a:p>
@@ -1674,97 +1679,96 @@
         </p:nvSpPr>
         <p:spPr>
           <a:xfrm>
-            <a:off x="4645025" y="2174875"/>
-            <a:ext cx="4041775" cy="3951288"/>
+            <a:off x="4645026" y="1631156"/>
+            <a:ext cx="4041775" cy="2963466"/>
           </a:xfrm>
         </p:spPr>
         <p:txBody>
           <a:bodyPr/>
           <a:lstStyle>
             <a:lvl1pPr>
-              <a:defRPr sz="2400"/>
+              <a:defRPr sz="1800"/>
             </a:lvl1pPr>
             <a:lvl2pPr>
-              <a:defRPr sz="2000"/>
+              <a:defRPr sz="1500"/>
             </a:lvl2pPr>
             <a:lvl3pPr>
-              <a:defRPr sz="1800"/>
+              <a:defRPr sz="1350"/>
             </a:lvl3pPr>
             <a:lvl4pPr>
-              <a:defRPr sz="1600"/>
+              <a:defRPr sz="1200"/>
             </a:lvl4pPr>
             <a:lvl5pPr>
-              <a:defRPr sz="1600"/>
+              <a:defRPr sz="1200"/>
             </a:lvl5pPr>
             <a:lvl6pPr>
-              <a:defRPr sz="1600"/>
+              <a:defRPr sz="1200"/>
             </a:lvl6pPr>
             <a:lvl7pPr>
-              <a:defRPr sz="1600"/>
+              <a:defRPr sz="1200"/>
             </a:lvl7pPr>
             <a:lvl8pPr>
-              <a:defRPr sz="1600"/>
+              <a:defRPr sz="1200"/>
             </a:lvl8pPr>
             <a:lvl9pPr>
-              <a:defRPr sz="1600"/>
+              <a:defRPr sz="1200"/>
             </a:lvl9pPr>
           </a:lstStyle>
           <a:p>
             <a:pPr lvl="0"/>
             <a:r>
+              <a:rPr lang="en-US"/>
+              <a:t>Click to edit Master text styles</a:t>
+            </a:r>
+          </a:p>
+          <a:p>
+            <a:pPr lvl="1"/>
+            <a:r>
+              <a:rPr lang="en-US"/>
+              <a:t>Second level</a:t>
+            </a:r>
+          </a:p>
+          <a:p>
+            <a:pPr lvl="2"/>
+            <a:r>
+              <a:rPr lang="en-US"/>
+              <a:t>Third level</a:t>
+            </a:r>
+          </a:p>
+          <a:p>
+            <a:pPr lvl="3"/>
+            <a:r>
+              <a:rPr lang="en-US"/>
+              <a:t>Fourth level</a:t>
+            </a:r>
+          </a:p>
+          <a:p>
+            <a:pPr lvl="4"/>
+            <a:r>
+              <a:rPr lang="en-US"/>
+              <a:t>Fifth level</a:t>
+            </a:r>
+          </a:p>
+        </p:txBody>
+      </p:sp>
+      <p:sp>
+        <p:nvSpPr>
+          <p:cNvPr id="7" name="Date Placeholder 6"/>
+          <p:cNvSpPr>
+            <a:spLocks noGrp="1"/>
+          </p:cNvSpPr>
+          <p:nvPr>
+            <p:ph type="dt" sz="half" idx="10"/>
+          </p:nvPr>
+        </p:nvSpPr>
+        <p:spPr/>
+        <p:txBody>
+          <a:bodyPr/>
+          <a:lstStyle/>
+          <a:p>
+            <a:fld id="{241EB5C9-1307-BA42-ABA2-0BC069CD8E7F}" type="datetimeFigureOut">
               <a:rPr lang="en-US" smtClean="0"/>
-              <a:t>Click to edit Master text styles</a:t>
-            </a:r>
-          </a:p>
-          <a:p>
-            <a:pPr lvl="1"/>
-            <a:r>
-              <a:rPr lang="en-US" smtClean="0"/>
-              <a:t>Second level</a:t>
-            </a:r>
-          </a:p>
-          <a:p>
-            <a:pPr lvl="2"/>
-            <a:r>
-              <a:rPr lang="en-US" smtClean="0"/>
-              <a:t>Third level</a:t>
-            </a:r>
-          </a:p>
-          <a:p>
-            <a:pPr lvl="3"/>
-            <a:r>
-              <a:rPr lang="en-US" smtClean="0"/>
-              <a:t>Fourth level</a:t>
-            </a:r>
-          </a:p>
-          <a:p>
-            <a:pPr lvl="4"/>
-            <a:r>
-              <a:rPr lang="en-US" smtClean="0"/>
-              <a:t>Fifth level</a:t>
-            </a:r>
-            <a:endParaRPr lang="en-US"/>
-          </a:p>
-        </p:txBody>
-      </p:sp>
-      <p:sp>
-        <p:nvSpPr>
-          <p:cNvPr id="7" name="Date Placeholder 6"/>
-          <p:cNvSpPr>
-            <a:spLocks noGrp="1"/>
-          </p:cNvSpPr>
-          <p:nvPr>
-            <p:ph type="dt" sz="half" idx="10"/>
-          </p:nvPr>
-        </p:nvSpPr>
-        <p:spPr/>
-        <p:txBody>
-          <a:bodyPr/>
-          <a:lstStyle/>
-          <a:p>
-            <a:fld id="{5BCAD085-E8A6-8845-BD4E-CB4CCA059FC4}" type="datetimeFigureOut">
-              <a:rPr lang="en-US" smtClean="0"/>
-              <a:t>1/27/13</a:t>
+              <a:t>1/2/22</a:t>
             </a:fld>
             <a:endParaRPr lang="en-US"/>
           </a:p>
@@ -1804,7 +1808,7 @@
           <a:bodyPr/>
           <a:lstStyle/>
           <a:p>
-            <a:fld id="{C1FF6DA9-008F-8B48-92A6-B652298478BF}" type="slidenum">
+            <a:fld id="{C5EF2332-01BF-834F-8236-50238282D533}" type="slidenum">
               <a:rPr lang="en-US" smtClean="0"/>
               <a:t>‹#›</a:t>
             </a:fld>
@@ -1815,7 +1819,7 @@
     </p:spTree>
     <p:extLst>
       <p:ext uri="{BB962C8B-B14F-4D97-AF65-F5344CB8AC3E}">
-        <p14:creationId xmlns:p14="http://schemas.microsoft.com/office/powerpoint/2010/main" val="990158736"/>
+        <p14:creationId xmlns:p14="http://schemas.microsoft.com/office/powerpoint/2010/main" val="2535793967"/>
       </p:ext>
     </p:extLst>
   </p:cSld>
@@ -1858,31 +1862,30 @@
           <a:lstStyle/>
           <a:p>
             <a:r>
+              <a:rPr lang="en-US"/>
+              <a:t>Click to edit Master title style</a:t>
+            </a:r>
+          </a:p>
+        </p:txBody>
+      </p:sp>
+      <p:sp>
+        <p:nvSpPr>
+          <p:cNvPr id="3" name="Date Placeholder 2"/>
+          <p:cNvSpPr>
+            <a:spLocks noGrp="1"/>
+          </p:cNvSpPr>
+          <p:nvPr>
+            <p:ph type="dt" sz="half" idx="10"/>
+          </p:nvPr>
+        </p:nvSpPr>
+        <p:spPr/>
+        <p:txBody>
+          <a:bodyPr/>
+          <a:lstStyle/>
+          <a:p>
+            <a:fld id="{241EB5C9-1307-BA42-ABA2-0BC069CD8E7F}" type="datetimeFigureOut">
               <a:rPr lang="en-US" smtClean="0"/>
-              <a:t>Click to edit Master title style</a:t>
-            </a:r>
-            <a:endParaRPr lang="en-US"/>
-          </a:p>
-        </p:txBody>
-      </p:sp>
-      <p:sp>
-        <p:nvSpPr>
-          <p:cNvPr id="3" name="Date Placeholder 2"/>
-          <p:cNvSpPr>
-            <a:spLocks noGrp="1"/>
-          </p:cNvSpPr>
-          <p:nvPr>
-            <p:ph type="dt" sz="half" idx="10"/>
-          </p:nvPr>
-        </p:nvSpPr>
-        <p:spPr/>
-        <p:txBody>
-          <a:bodyPr/>
-          <a:lstStyle/>
-          <a:p>
-            <a:fld id="{5BCAD085-E8A6-8845-BD4E-CB4CCA059FC4}" type="datetimeFigureOut">
-              <a:rPr lang="en-US" smtClean="0"/>
-              <a:t>1/27/13</a:t>
+              <a:t>1/2/22</a:t>
             </a:fld>
             <a:endParaRPr lang="en-US"/>
           </a:p>
@@ -1922,7 +1925,7 @@
           <a:bodyPr/>
           <a:lstStyle/>
           <a:p>
-            <a:fld id="{C1FF6DA9-008F-8B48-92A6-B652298478BF}" type="slidenum">
+            <a:fld id="{C5EF2332-01BF-834F-8236-50238282D533}" type="slidenum">
               <a:rPr lang="en-US" smtClean="0"/>
               <a:t>‹#›</a:t>
             </a:fld>
@@ -1933,7 +1936,7 @@
     </p:spTree>
     <p:extLst>
       <p:ext uri="{BB962C8B-B14F-4D97-AF65-F5344CB8AC3E}">
-        <p14:creationId xmlns:p14="http://schemas.microsoft.com/office/powerpoint/2010/main" val="727027711"/>
+        <p14:creationId xmlns:p14="http://schemas.microsoft.com/office/powerpoint/2010/main" val="3472721253"/>
       </p:ext>
     </p:extLst>
   </p:cSld>
@@ -1975,9 +1978,9 @@
           <a:bodyPr/>
           <a:lstStyle/>
           <a:p>
-            <a:fld id="{5BCAD085-E8A6-8845-BD4E-CB4CCA059FC4}" type="datetimeFigureOut">
+            <a:fld id="{241EB5C9-1307-BA42-ABA2-0BC069CD8E7F}" type="datetimeFigureOut">
               <a:rPr lang="en-US" smtClean="0"/>
-              <a:t>1/27/13</a:t>
+              <a:t>1/2/22</a:t>
             </a:fld>
             <a:endParaRPr lang="en-US"/>
           </a:p>
@@ -2017,7 +2020,7 @@
           <a:bodyPr/>
           <a:lstStyle/>
           <a:p>
-            <a:fld id="{C1FF6DA9-008F-8B48-92A6-B652298478BF}" type="slidenum">
+            <a:fld id="{C5EF2332-01BF-834F-8236-50238282D533}" type="slidenum">
               <a:rPr lang="en-US" smtClean="0"/>
               <a:t>‹#›</a:t>
             </a:fld>
@@ -2028,7 +2031,7 @@
     </p:spTree>
     <p:extLst>
       <p:ext uri="{BB962C8B-B14F-4D97-AF65-F5344CB8AC3E}">
-        <p14:creationId xmlns:p14="http://schemas.microsoft.com/office/powerpoint/2010/main" val="1212999818"/>
+        <p14:creationId xmlns:p14="http://schemas.microsoft.com/office/powerpoint/2010/main" val="2130901097"/>
       </p:ext>
     </p:extLst>
   </p:cSld>
@@ -2067,23 +2070,22 @@
         </p:nvSpPr>
         <p:spPr>
           <a:xfrm>
-            <a:off x="457200" y="273050"/>
-            <a:ext cx="3008313" cy="1162050"/>
+            <a:off x="457201" y="204787"/>
+            <a:ext cx="3008313" cy="871538"/>
           </a:xfrm>
         </p:spPr>
         <p:txBody>
           <a:bodyPr anchor="b"/>
           <a:lstStyle>
             <a:lvl1pPr algn="l">
-              <a:defRPr sz="2000" b="1"/>
+              <a:defRPr sz="1500" b="1"/>
             </a:lvl1pPr>
           </a:lstStyle>
           <a:p>
             <a:r>
-              <a:rPr lang="en-US" smtClean="0"/>
+              <a:rPr lang="en-US"/>
               <a:t>Click to edit Master title style</a:t>
             </a:r>
-            <a:endParaRPr lang="en-US"/>
           </a:p>
         </p:txBody>
       </p:sp>
@@ -2099,76 +2101,75 @@
         </p:nvSpPr>
         <p:spPr>
           <a:xfrm>
-            <a:off x="3575050" y="273050"/>
-            <a:ext cx="5111750" cy="5853113"/>
+            <a:off x="3575050" y="204788"/>
+            <a:ext cx="5111750" cy="4389835"/>
           </a:xfrm>
         </p:spPr>
         <p:txBody>
           <a:bodyPr/>
           <a:lstStyle>
             <a:lvl1pPr>
-              <a:defRPr sz="3200"/>
+              <a:defRPr sz="2400"/>
             </a:lvl1pPr>
             <a:lvl2pPr>
-              <a:defRPr sz="2800"/>
+              <a:defRPr sz="2100"/>
             </a:lvl2pPr>
             <a:lvl3pPr>
-              <a:defRPr sz="2400"/>
+              <a:defRPr sz="1800"/>
             </a:lvl3pPr>
             <a:lvl4pPr>
-              <a:defRPr sz="2000"/>
+              <a:defRPr sz="1500"/>
             </a:lvl4pPr>
             <a:lvl5pPr>
-              <a:defRPr sz="2000"/>
+              <a:defRPr sz="1500"/>
             </a:lvl5pPr>
             <a:lvl6pPr>
-              <a:defRPr sz="2000"/>
+              <a:defRPr sz="1500"/>
             </a:lvl6pPr>
             <a:lvl7pPr>
-              <a:defRPr sz="2000"/>
+              <a:defRPr sz="1500"/>
             </a:lvl7pPr>
             <a:lvl8pPr>
-              <a:defRPr sz="2000"/>
+              <a:defRPr sz="1500"/>
             </a:lvl8pPr>
             <a:lvl9pPr>
-              <a:defRPr sz="2000"/>
+              <a:defRPr sz="1500"/>
             </a:lvl9pPr>
           </a:lstStyle>
           <a:p>
             <a:pPr lvl="0"/>
             <a:r>
-              <a:rPr lang="en-US" smtClean="0"/>
+              <a:rPr lang="en-US"/>
               <a:t>Click to edit Master text styles</a:t>
             </a:r>
           </a:p>
           <a:p>
             <a:pPr lvl="1"/>
             <a:r>
-              <a:rPr lang="en-US" smtClean="0"/>
+              <a:rPr lang="en-US"/>
               <a:t>Second level</a:t>
             </a:r>
           </a:p>
           <a:p>
             <a:pPr lvl="2"/>
             <a:r>
-              <a:rPr lang="en-US" smtClean="0"/>
+              <a:rPr lang="en-US"/>
               <a:t>Third level</a:t>
             </a:r>
           </a:p>
           <a:p>
             <a:pPr lvl="3"/>
             <a:r>
-              <a:rPr lang="en-US" smtClean="0"/>
+              <a:rPr lang="en-US"/>
               <a:t>Fourth level</a:t>
             </a:r>
           </a:p>
           <a:p>
             <a:pPr lvl="4"/>
             <a:r>
-              <a:rPr lang="en-US" smtClean="0"/>
+              <a:rPr lang="en-US"/>
               <a:t>Fifth level</a:t>
             </a:r>
-            <a:endParaRPr lang="en-US"/>
           </a:p>
         </p:txBody>
       </p:sp>
@@ -2184,8 +2185,8 @@
         </p:nvSpPr>
         <p:spPr>
           <a:xfrm>
-            <a:off x="457200" y="1435100"/>
-            <a:ext cx="3008313" cy="4691063"/>
+            <a:off x="457201" y="1076326"/>
+            <a:ext cx="3008313" cy="3518297"/>
           </a:xfrm>
         </p:spPr>
         <p:txBody>
@@ -2193,68 +2194,68 @@
           <a:lstStyle>
             <a:lvl1pPr marL="0" indent="0">
               <a:buNone/>
-              <a:defRPr sz="1400"/>
+              <a:defRPr sz="1050"/>
             </a:lvl1pPr>
-            <a:lvl2pPr marL="457200" indent="0">
-              <a:buNone/>
-              <a:defRPr sz="1200"/>
+            <a:lvl2pPr marL="342900" indent="0">
+              <a:buNone/>
+              <a:defRPr sz="900"/>
             </a:lvl2pPr>
-            <a:lvl3pPr marL="914400" indent="0">
-              <a:buNone/>
-              <a:defRPr sz="1000"/>
+            <a:lvl3pPr marL="685800" indent="0">
+              <a:buNone/>
+              <a:defRPr sz="750"/>
             </a:lvl3pPr>
-            <a:lvl4pPr marL="1371600" indent="0">
-              <a:buNone/>
-              <a:defRPr sz="900"/>
+            <a:lvl4pPr marL="1028700" indent="0">
+              <a:buNone/>
+              <a:defRPr sz="675"/>
             </a:lvl4pPr>
-            <a:lvl5pPr marL="1828800" indent="0">
-              <a:buNone/>
-              <a:defRPr sz="900"/>
+            <a:lvl5pPr marL="1371600" indent="0">
+              <a:buNone/>
+              <a:defRPr sz="675"/>
             </a:lvl5pPr>
-            <a:lvl6pPr marL="2286000" indent="0">
-              <a:buNone/>
-              <a:defRPr sz="900"/>
+            <a:lvl6pPr marL="1714500" indent="0">
+              <a:buNone/>
+              <a:defRPr sz="675"/>
             </a:lvl6pPr>
-            <a:lvl7pPr marL="2743200" indent="0">
-              <a:buNone/>
-              <a:defRPr sz="900"/>
+            <a:lvl7pPr marL="2057400" indent="0">
+              <a:buNone/>
+              <a:defRPr sz="675"/>
             </a:lvl7pPr>
-            <a:lvl8pPr marL="3200400" indent="0">
-              <a:buNone/>
-              <a:defRPr sz="900"/>
+            <a:lvl8pPr marL="2400300" indent="0">
+              <a:buNone/>
+              <a:defRPr sz="675"/>
             </a:lvl8pPr>
-            <a:lvl9pPr marL="3657600" indent="0">
-              <a:buNone/>
-              <a:defRPr sz="900"/>
+            <a:lvl9pPr marL="2743200" indent="0">
+              <a:buNone/>
+              <a:defRPr sz="675"/>
             </a:lvl9pPr>
           </a:lstStyle>
           <a:p>
             <a:pPr lvl="0"/>
             <a:r>
+              <a:rPr lang="en-US"/>
+              <a:t>Click to edit Master text styles</a:t>
+            </a:r>
+          </a:p>
+        </p:txBody>
+      </p:sp>
+      <p:sp>
+        <p:nvSpPr>
+          <p:cNvPr id="5" name="Date Placeholder 4"/>
+          <p:cNvSpPr>
+            <a:spLocks noGrp="1"/>
+          </p:cNvSpPr>
+          <p:nvPr>
+            <p:ph type="dt" sz="half" idx="10"/>
+          </p:nvPr>
+        </p:nvSpPr>
+        <p:spPr/>
+        <p:txBody>
+          <a:bodyPr/>
+          <a:lstStyle/>
+          <a:p>
+            <a:fld id="{241EB5C9-1307-BA42-ABA2-0BC069CD8E7F}" type="datetimeFigureOut">
               <a:rPr lang="en-US" smtClean="0"/>
-              <a:t>Click to edit Master text styles</a:t>
-            </a:r>
-          </a:p>
-        </p:txBody>
-      </p:sp>
-      <p:sp>
-        <p:nvSpPr>
-          <p:cNvPr id="5" name="Date Placeholder 4"/>
-          <p:cNvSpPr>
-            <a:spLocks noGrp="1"/>
-          </p:cNvSpPr>
-          <p:nvPr>
-            <p:ph type="dt" sz="half" idx="10"/>
-          </p:nvPr>
-        </p:nvSpPr>
-        <p:spPr/>
-        <p:txBody>
-          <a:bodyPr/>
-          <a:lstStyle/>
-          <a:p>
-            <a:fld id="{5BCAD085-E8A6-8845-BD4E-CB4CCA059FC4}" type="datetimeFigureOut">
-              <a:rPr lang="en-US" smtClean="0"/>
-              <a:t>1/27/13</a:t>
+              <a:t>1/2/22</a:t>
             </a:fld>
             <a:endParaRPr lang="en-US"/>
           </a:p>
@@ -2294,7 +2295,7 @@
           <a:bodyPr/>
           <a:lstStyle/>
           <a:p>
-            <a:fld id="{C1FF6DA9-008F-8B48-92A6-B652298478BF}" type="slidenum">
+            <a:fld id="{C5EF2332-01BF-834F-8236-50238282D533}" type="slidenum">
               <a:rPr lang="en-US" smtClean="0"/>
               <a:t>‹#›</a:t>
             </a:fld>
@@ -2305,7 +2306,7 @@
     </p:spTree>
     <p:extLst>
       <p:ext uri="{BB962C8B-B14F-4D97-AF65-F5344CB8AC3E}">
-        <p14:creationId xmlns:p14="http://schemas.microsoft.com/office/powerpoint/2010/main" val="1840726560"/>
+        <p14:creationId xmlns:p14="http://schemas.microsoft.com/office/powerpoint/2010/main" val="3540895647"/>
       </p:ext>
     </p:extLst>
   </p:cSld>
@@ -2344,23 +2345,22 @@
         </p:nvSpPr>
         <p:spPr>
           <a:xfrm>
-            <a:off x="1792288" y="4800600"/>
-            <a:ext cx="5486400" cy="566738"/>
+            <a:off x="1792288" y="3600450"/>
+            <a:ext cx="5486400" cy="425054"/>
           </a:xfrm>
         </p:spPr>
         <p:txBody>
           <a:bodyPr anchor="b"/>
           <a:lstStyle>
             <a:lvl1pPr algn="l">
-              <a:defRPr sz="2000" b="1"/>
+              <a:defRPr sz="1500" b="1"/>
             </a:lvl1pPr>
           </a:lstStyle>
           <a:p>
             <a:r>
-              <a:rPr lang="en-US" smtClean="0"/>
+              <a:rPr lang="en-US"/>
               <a:t>Click to edit Master title style</a:t>
             </a:r>
-            <a:endParaRPr lang="en-US"/>
           </a:p>
         </p:txBody>
       </p:sp>
@@ -2376,8 +2376,8 @@
         </p:nvSpPr>
         <p:spPr>
           <a:xfrm>
-            <a:off x="1792288" y="612775"/>
-            <a:ext cx="5486400" cy="4114800"/>
+            <a:off x="1792288" y="459581"/>
+            <a:ext cx="5486400" cy="3086100"/>
           </a:xfrm>
         </p:spPr>
         <p:txBody>
@@ -2385,39 +2385,39 @@
           <a:lstStyle>
             <a:lvl1pPr marL="0" indent="0">
               <a:buNone/>
-              <a:defRPr sz="3200"/>
+              <a:defRPr sz="2400"/>
             </a:lvl1pPr>
-            <a:lvl2pPr marL="457200" indent="0">
-              <a:buNone/>
-              <a:defRPr sz="2800"/>
+            <a:lvl2pPr marL="342900" indent="0">
+              <a:buNone/>
+              <a:defRPr sz="2100"/>
             </a:lvl2pPr>
-            <a:lvl3pPr marL="914400" indent="0">
-              <a:buNone/>
-              <a:defRPr sz="2400"/>
+            <a:lvl3pPr marL="685800" indent="0">
+              <a:buNone/>
+              <a:defRPr sz="1800"/>
             </a:lvl3pPr>
-            <a:lvl4pPr marL="1371600" indent="0">
-              <a:buNone/>
-              <a:defRPr sz="2000"/>
+            <a:lvl4pPr marL="1028700" indent="0">
+              <a:buNone/>
+              <a:defRPr sz="1500"/>
             </a:lvl4pPr>
-            <a:lvl5pPr marL="1828800" indent="0">
-              <a:buNone/>
-              <a:defRPr sz="2000"/>
+            <a:lvl5pPr marL="1371600" indent="0">
+              <a:buNone/>
+              <a:defRPr sz="1500"/>
             </a:lvl5pPr>
-            <a:lvl6pPr marL="2286000" indent="0">
-              <a:buNone/>
-              <a:defRPr sz="2000"/>
+            <a:lvl6pPr marL="1714500" indent="0">
+              <a:buNone/>
+              <a:defRPr sz="1500"/>
             </a:lvl6pPr>
-            <a:lvl7pPr marL="2743200" indent="0">
-              <a:buNone/>
-              <a:defRPr sz="2000"/>
+            <a:lvl7pPr marL="2057400" indent="0">
+              <a:buNone/>
+              <a:defRPr sz="1500"/>
             </a:lvl7pPr>
-            <a:lvl8pPr marL="3200400" indent="0">
-              <a:buNone/>
-              <a:defRPr sz="2000"/>
+            <a:lvl8pPr marL="2400300" indent="0">
+              <a:buNone/>
+              <a:defRPr sz="1500"/>
             </a:lvl8pPr>
-            <a:lvl9pPr marL="3657600" indent="0">
-              <a:buNone/>
-              <a:defRPr sz="2000"/>
+            <a:lvl9pPr marL="2743200" indent="0">
+              <a:buNone/>
+              <a:defRPr sz="1500"/>
             </a:lvl9pPr>
           </a:lstStyle>
           <a:p>
@@ -2437,8 +2437,8 @@
         </p:nvSpPr>
         <p:spPr>
           <a:xfrm>
-            <a:off x="1792288" y="5367338"/>
-            <a:ext cx="5486400" cy="804862"/>
+            <a:off x="1792288" y="4025503"/>
+            <a:ext cx="5486400" cy="603647"/>
           </a:xfrm>
         </p:spPr>
         <p:txBody>
@@ -2446,68 +2446,68 @@
           <a:lstStyle>
             <a:lvl1pPr marL="0" indent="0">
               <a:buNone/>
-              <a:defRPr sz="1400"/>
+              <a:defRPr sz="1050"/>
             </a:lvl1pPr>
-            <a:lvl2pPr marL="457200" indent="0">
-              <a:buNone/>
-              <a:defRPr sz="1200"/>
+            <a:lvl2pPr marL="342900" indent="0">
+              <a:buNone/>
+              <a:defRPr sz="900"/>
             </a:lvl2pPr>
-            <a:lvl3pPr marL="914400" indent="0">
-              <a:buNone/>
-              <a:defRPr sz="1000"/>
+            <a:lvl3pPr marL="685800" indent="0">
+              <a:buNone/>
+              <a:defRPr sz="750"/>
             </a:lvl3pPr>
-            <a:lvl4pPr marL="1371600" indent="0">
-              <a:buNone/>
-              <a:defRPr sz="900"/>
+            <a:lvl4pPr marL="1028700" indent="0">
+              <a:buNone/>
+              <a:defRPr sz="675"/>
             </a:lvl4pPr>
-            <a:lvl5pPr marL="1828800" indent="0">
-              <a:buNone/>
-              <a:defRPr sz="900"/>
+            <a:lvl5pPr marL="1371600" indent="0">
+              <a:buNone/>
+              <a:defRPr sz="675"/>
             </a:lvl5pPr>
-            <a:lvl6pPr marL="2286000" indent="0">
-              <a:buNone/>
-              <a:defRPr sz="900"/>
+            <a:lvl6pPr marL="1714500" indent="0">
+              <a:buNone/>
+              <a:defRPr sz="675"/>
             </a:lvl6pPr>
-            <a:lvl7pPr marL="2743200" indent="0">
-              <a:buNone/>
-              <a:defRPr sz="900"/>
+            <a:lvl7pPr marL="2057400" indent="0">
+              <a:buNone/>
+              <a:defRPr sz="675"/>
             </a:lvl7pPr>
-            <a:lvl8pPr marL="3200400" indent="0">
-              <a:buNone/>
-              <a:defRPr sz="900"/>
+            <a:lvl8pPr marL="2400300" indent="0">
+              <a:buNone/>
+              <a:defRPr sz="675"/>
             </a:lvl8pPr>
-            <a:lvl9pPr marL="3657600" indent="0">
-              <a:buNone/>
-              <a:defRPr sz="900"/>
+            <a:lvl9pPr marL="2743200" indent="0">
+              <a:buNone/>
+              <a:defRPr sz="675"/>
             </a:lvl9pPr>
           </a:lstStyle>
           <a:p>
             <a:pPr lvl="0"/>
             <a:r>
+              <a:rPr lang="en-US"/>
+              <a:t>Click to edit Master text styles</a:t>
+            </a:r>
+          </a:p>
+        </p:txBody>
+      </p:sp>
+      <p:sp>
+        <p:nvSpPr>
+          <p:cNvPr id="5" name="Date Placeholder 4"/>
+          <p:cNvSpPr>
+            <a:spLocks noGrp="1"/>
+          </p:cNvSpPr>
+          <p:nvPr>
+            <p:ph type="dt" sz="half" idx="10"/>
+          </p:nvPr>
+        </p:nvSpPr>
+        <p:spPr/>
+        <p:txBody>
+          <a:bodyPr/>
+          <a:lstStyle/>
+          <a:p>
+            <a:fld id="{241EB5C9-1307-BA42-ABA2-0BC069CD8E7F}" type="datetimeFigureOut">
               <a:rPr lang="en-US" smtClean="0"/>
-              <a:t>Click to edit Master text styles</a:t>
-            </a:r>
-          </a:p>
-        </p:txBody>
-      </p:sp>
-      <p:sp>
-        <p:nvSpPr>
-          <p:cNvPr id="5" name="Date Placeholder 4"/>
-          <p:cNvSpPr>
-            <a:spLocks noGrp="1"/>
-          </p:cNvSpPr>
-          <p:nvPr>
-            <p:ph type="dt" sz="half" idx="10"/>
-          </p:nvPr>
-        </p:nvSpPr>
-        <p:spPr/>
-        <p:txBody>
-          <a:bodyPr/>
-          <a:lstStyle/>
-          <a:p>
-            <a:fld id="{5BCAD085-E8A6-8845-BD4E-CB4CCA059FC4}" type="datetimeFigureOut">
-              <a:rPr lang="en-US" smtClean="0"/>
-              <a:t>1/27/13</a:t>
+              <a:t>1/2/22</a:t>
             </a:fld>
             <a:endParaRPr lang="en-US"/>
           </a:p>
@@ -2547,7 +2547,7 @@
           <a:bodyPr/>
           <a:lstStyle/>
           <a:p>
-            <a:fld id="{C1FF6DA9-008F-8B48-92A6-B652298478BF}" type="slidenum">
+            <a:fld id="{C5EF2332-01BF-834F-8236-50238282D533}" type="slidenum">
               <a:rPr lang="en-US" smtClean="0"/>
               <a:t>‹#›</a:t>
             </a:fld>
@@ -2558,7 +2558,7 @@
     </p:spTree>
     <p:extLst>
       <p:ext uri="{BB962C8B-B14F-4D97-AF65-F5344CB8AC3E}">
-        <p14:creationId xmlns:p14="http://schemas.microsoft.com/office/powerpoint/2010/main" val="3889236939"/>
+        <p14:creationId xmlns:p14="http://schemas.microsoft.com/office/powerpoint/2010/main" val="3566899855"/>
       </p:ext>
     </p:extLst>
   </p:cSld>
@@ -2569,7 +2569,7 @@
 </file>
 
 <file path=ppt/slideMasters/slideMaster1.xml><?xml version="1.0" encoding="utf-8"?>
-<p:sldMaster xmlns:a="http://schemas.openxmlformats.org/drawingml/2006/main" xmlns:r="http://schemas.openxmlformats.org/officeDocument/2006/relationships" xmlns:p="http://schemas.openxmlformats.org/presentationml/2006/main">
+<p:sldMaster xmlns:a="http://schemas.openxmlformats.org/drawingml/2006/main" xmlns:p="http://schemas.openxmlformats.org/presentationml/2006/main" xmlns:r="http://schemas.openxmlformats.org/officeDocument/2006/relationships">
   <p:cSld>
     <p:bg>
       <p:bgRef idx="1001">
@@ -2602,24 +2602,23 @@
         </p:nvSpPr>
         <p:spPr>
           <a:xfrm>
-            <a:off x="457200" y="274638"/>
-            <a:ext cx="8229600" cy="1143000"/>
+            <a:off x="457200" y="205979"/>
+            <a:ext cx="8229600" cy="857250"/>
           </a:xfrm>
           <a:prstGeom prst="rect">
             <a:avLst/>
           </a:prstGeom>
         </p:spPr>
         <p:txBody>
-          <a:bodyPr vert="horz" lIns="91440" tIns="45720" rIns="91440" bIns="45720" rtlCol="0" anchor="ctr">
+          <a:bodyPr anchor="ctr" bIns="45720" lIns="91440" rIns="91440" rtlCol="0" tIns="45720" vert="horz">
             <a:normAutofit/>
           </a:bodyPr>
           <a:lstStyle/>
           <a:p>
             <a:r>
-              <a:rPr lang="en-US" smtClean="0"/>
+              <a:rPr lang="en-US"/>
               <a:t>Click to edit Master title style</a:t>
             </a:r>
-            <a:endParaRPr lang="en-US"/>
           </a:p>
         </p:txBody>
       </p:sp>
@@ -2630,58 +2629,57 @@
             <a:spLocks noGrp="1"/>
           </p:cNvSpPr>
           <p:nvPr>
-            <p:ph type="body" idx="1"/>
+            <p:ph idx="1" type="body"/>
           </p:nvPr>
         </p:nvSpPr>
         <p:spPr>
           <a:xfrm>
-            <a:off x="457200" y="1600200"/>
-            <a:ext cx="8229600" cy="4525963"/>
+            <a:off x="457200" y="1200151"/>
+            <a:ext cx="8229600" cy="3394472"/>
           </a:xfrm>
           <a:prstGeom prst="rect">
             <a:avLst/>
           </a:prstGeom>
         </p:spPr>
         <p:txBody>
-          <a:bodyPr vert="horz" lIns="91440" tIns="45720" rIns="91440" bIns="45720" rtlCol="0">
+          <a:bodyPr bIns="45720" lIns="91440" rIns="91440" rtlCol="0" tIns="45720" vert="horz">
             <a:normAutofit/>
           </a:bodyPr>
           <a:lstStyle/>
           <a:p>
             <a:pPr lvl="0"/>
             <a:r>
-              <a:rPr lang="en-US" smtClean="0"/>
+              <a:rPr lang="en-US"/>
               <a:t>Click to edit Master text styles</a:t>
             </a:r>
           </a:p>
           <a:p>
             <a:pPr lvl="1"/>
             <a:r>
-              <a:rPr lang="en-US" smtClean="0"/>
+              <a:rPr lang="en-US"/>
               <a:t>Second level</a:t>
             </a:r>
           </a:p>
           <a:p>
             <a:pPr lvl="2"/>
             <a:r>
-              <a:rPr lang="en-US" smtClean="0"/>
+              <a:rPr lang="en-US"/>
               <a:t>Third level</a:t>
             </a:r>
           </a:p>
           <a:p>
             <a:pPr lvl="3"/>
             <a:r>
-              <a:rPr lang="en-US" smtClean="0"/>
+              <a:rPr lang="en-US"/>
               <a:t>Fourth level</a:t>
             </a:r>
           </a:p>
           <a:p>
             <a:pPr lvl="4"/>
             <a:r>
-              <a:rPr lang="en-US" smtClean="0"/>
+              <a:rPr lang="en-US"/>
               <a:t>Fifth level</a:t>
             </a:r>
-            <a:endParaRPr lang="en-US"/>
           </a:p>
         </p:txBody>
       </p:sp>
@@ -2692,23 +2690,23 @@
             <a:spLocks noGrp="1"/>
           </p:cNvSpPr>
           <p:nvPr>
-            <p:ph type="dt" sz="half" idx="2"/>
+            <p:ph idx="2" sz="half" type="dt"/>
           </p:nvPr>
         </p:nvSpPr>
         <p:spPr>
           <a:xfrm>
-            <a:off x="457200" y="6356350"/>
-            <a:ext cx="2133600" cy="365125"/>
+            <a:off x="457200" y="4767263"/>
+            <a:ext cx="2133600" cy="273844"/>
           </a:xfrm>
           <a:prstGeom prst="rect">
             <a:avLst/>
           </a:prstGeom>
         </p:spPr>
         <p:txBody>
-          <a:bodyPr vert="horz" lIns="91440" tIns="45720" rIns="91440" bIns="45720" rtlCol="0" anchor="ctr"/>
+          <a:bodyPr anchor="ctr" bIns="45720" lIns="91440" rIns="91440" rtlCol="0" tIns="45720" vert="horz"/>
           <a:lstStyle>
             <a:lvl1pPr algn="l">
-              <a:defRPr sz="1200">
+              <a:defRPr sz="900">
                 <a:solidFill>
                   <a:schemeClr val="tx1">
                     <a:tint val="75000"/>
@@ -2718,9 +2716,9 @@
             </a:lvl1pPr>
           </a:lstStyle>
           <a:p>
-            <a:fld id="{5BCAD085-E8A6-8845-BD4E-CB4CCA059FC4}" type="datetimeFigureOut">
+            <a:fld id="{241EB5C9-1307-BA42-ABA2-0BC069CD8E7F}" type="datetimeFigureOut">
               <a:rPr lang="en-US" smtClean="0"/>
-              <a:t>1/27/13</a:t>
+              <a:t>1/2/22</a:t>
             </a:fld>
             <a:endParaRPr lang="en-US"/>
           </a:p>
@@ -2733,23 +2731,23 @@
             <a:spLocks noGrp="1"/>
           </p:cNvSpPr>
           <p:nvPr>
-            <p:ph type="ftr" sz="quarter" idx="3"/>
+            <p:ph idx="3" sz="quarter" type="ftr"/>
           </p:nvPr>
         </p:nvSpPr>
         <p:spPr>
           <a:xfrm>
-            <a:off x="3124200" y="6356350"/>
-            <a:ext cx="2895600" cy="365125"/>
+            <a:off x="3124200" y="4767263"/>
+            <a:ext cx="2895600" cy="273844"/>
           </a:xfrm>
           <a:prstGeom prst="rect">
             <a:avLst/>
           </a:prstGeom>
         </p:spPr>
         <p:txBody>
-          <a:bodyPr vert="horz" lIns="91440" tIns="45720" rIns="91440" bIns="45720" rtlCol="0" anchor="ctr"/>
+          <a:bodyPr anchor="ctr" bIns="45720" lIns="91440" rIns="91440" rtlCol="0" tIns="45720" vert="horz"/>
           <a:lstStyle>
             <a:lvl1pPr algn="ctr">
-              <a:defRPr sz="1200">
+              <a:defRPr sz="900">
                 <a:solidFill>
                   <a:schemeClr val="tx1">
                     <a:tint val="75000"/>
@@ -2770,23 +2768,23 @@
             <a:spLocks noGrp="1"/>
           </p:cNvSpPr>
           <p:nvPr>
-            <p:ph type="sldNum" sz="quarter" idx="4"/>
+            <p:ph idx="4" sz="quarter" type="sldNum"/>
           </p:nvPr>
         </p:nvSpPr>
         <p:spPr>
           <a:xfrm>
-            <a:off x="6553200" y="6356350"/>
-            <a:ext cx="2133600" cy="365125"/>
+            <a:off x="6553200" y="4767263"/>
+            <a:ext cx="2133600" cy="273844"/>
           </a:xfrm>
           <a:prstGeom prst="rect">
             <a:avLst/>
           </a:prstGeom>
         </p:spPr>
         <p:txBody>
-          <a:bodyPr vert="horz" lIns="91440" tIns="45720" rIns="91440" bIns="45720" rtlCol="0" anchor="ctr"/>
+          <a:bodyPr anchor="ctr" bIns="45720" lIns="91440" rIns="91440" rtlCol="0" tIns="45720" vert="horz"/>
           <a:lstStyle>
             <a:lvl1pPr algn="r">
-              <a:defRPr sz="1200">
+              <a:defRPr sz="900">
                 <a:solidFill>
                   <a:schemeClr val="tx1">
                     <a:tint val="75000"/>
@@ -2796,7 +2794,7 @@
             </a:lvl1pPr>
           </a:lstStyle>
           <a:p>
-            <a:fld id="{C1FF6DA9-008F-8B48-92A6-B652298478BF}" type="slidenum">
+            <a:fld id="{C5EF2332-01BF-834F-8236-50238282D533}" type="slidenum">
               <a:rPr lang="en-US" smtClean="0"/>
               <a:t>‹#›</a:t>
             </a:fld>
@@ -2807,11 +2805,11 @@
     </p:spTree>
     <p:extLst>
       <p:ext uri="{BB962C8B-B14F-4D97-AF65-F5344CB8AC3E}">
-        <p14:creationId xmlns:p14="http://schemas.microsoft.com/office/powerpoint/2010/main" val="2209977519"/>
+        <p14:creationId xmlns:p14="http://schemas.microsoft.com/office/powerpoint/2010/main" val="3676200875"/>
       </p:ext>
     </p:extLst>
   </p:cSld>
-  <p:clrMap bg1="lt1" tx1="dk1" bg2="lt2" tx2="dk2" accent1="accent1" accent2="accent2" accent3="accent3" accent4="accent4" accent5="accent5" accent6="accent6" hlink="hlink" folHlink="folHlink"/>
+  <p:clrMap accent1="accent1" accent2="accent2" accent3="accent3" accent4="accent4" accent5="accent5" accent6="accent6" bg1="lt1" bg2="lt2" folHlink="folHlink" hlink="hlink" tx1="dk1" tx2="dk2"/>
   <p:sldLayoutIdLst>
     <p:sldLayoutId id="2147483649" r:id="rId1"/>
     <p:sldLayoutId id="2147483650" r:id="rId2"/>
@@ -2827,12 +2825,12 @@
   </p:sldLayoutIdLst>
   <p:txStyles>
     <p:titleStyle>
-      <a:lvl1pPr algn="ctr" defTabSz="457200" rtl="0" eaLnBrk="1" latinLnBrk="0" hangingPunct="1">
+      <a:lvl1pPr algn="ctr" defTabSz="342900" eaLnBrk="1" hangingPunct="1" latinLnBrk="0" rtl="0">
         <a:spcBef>
           <a:spcPct val="0"/>
         </a:spcBef>
         <a:buNone/>
-        <a:defRPr sz="4400" kern="1200">
+        <a:defRPr kern="1200" sz="3300">
           <a:solidFill>
             <a:schemeClr val="tx1"/>
           </a:solidFill>
@@ -2843,13 +2841,13 @@
       </a:lvl1pPr>
     </p:titleStyle>
     <p:bodyStyle>
-      <a:lvl1pPr marL="342900" indent="-342900" algn="l" defTabSz="457200" rtl="0" eaLnBrk="1" latinLnBrk="0" hangingPunct="1">
+      <a:lvl1pPr algn="l" defTabSz="342900" eaLnBrk="1" hangingPunct="1" indent="-342900" latinLnBrk="0" marL="342900" rtl="0">
         <a:spcBef>
           <a:spcPct val="20000"/>
         </a:spcBef>
         <a:buFont typeface="Arial"/>
         <a:buChar char="•"/>
-        <a:defRPr sz="3200" kern="1200">
+        <a:defRPr kern="1200" sz="2400">
           <a:solidFill>
             <a:schemeClr val="tx1"/>
           </a:solidFill>
@@ -2858,13 +2856,13 @@
           <a:cs typeface="+mn-cs"/>
         </a:defRPr>
       </a:lvl1pPr>
-      <a:lvl2pPr marL="742950" indent="-285750" algn="l" defTabSz="457200" rtl="0" eaLnBrk="1" latinLnBrk="0" hangingPunct="1">
+      <a:lvl2pPr algn="l" defTabSz="342900" eaLnBrk="1" hangingPunct="1" indent="-342900" latinLnBrk="0" marL="685800" rtl="0">
         <a:spcBef>
           <a:spcPct val="20000"/>
         </a:spcBef>
         <a:buFont typeface="Arial"/>
         <a:buChar char="–"/>
-        <a:defRPr sz="2800" kern="1200">
+        <a:defRPr kern="1200" sz="2100">
           <a:solidFill>
             <a:schemeClr val="tx1"/>
           </a:solidFill>
@@ -2873,13 +2871,13 @@
           <a:cs typeface="+mn-cs"/>
         </a:defRPr>
       </a:lvl2pPr>
-      <a:lvl3pPr marL="1143000" indent="-228600" algn="l" defTabSz="457200" rtl="0" eaLnBrk="1" latinLnBrk="0" hangingPunct="1">
+      <a:lvl3pPr algn="l" defTabSz="342900" eaLnBrk="1" hangingPunct="1" indent="-342900" latinLnBrk="0" marL="1028700" rtl="0">
         <a:spcBef>
           <a:spcPct val="20000"/>
         </a:spcBef>
         <a:buFont typeface="Arial"/>
         <a:buChar char="•"/>
-        <a:defRPr sz="2400" kern="1200">
+        <a:defRPr kern="1200" sz="1800">
           <a:solidFill>
             <a:schemeClr val="tx1"/>
           </a:solidFill>
@@ -2888,13 +2886,13 @@
           <a:cs typeface="+mn-cs"/>
         </a:defRPr>
       </a:lvl3pPr>
-      <a:lvl4pPr marL="1600200" indent="-228600" algn="l" defTabSz="457200" rtl="0" eaLnBrk="1" latinLnBrk="0" hangingPunct="1">
+      <a:lvl4pPr algn="l" defTabSz="342900" eaLnBrk="1" hangingPunct="1" indent="-342900" latinLnBrk="0" marL="1371600" rtl="0">
         <a:spcBef>
           <a:spcPct val="20000"/>
         </a:spcBef>
         <a:buFont typeface="Arial"/>
         <a:buChar char="–"/>
-        <a:defRPr sz="2000" kern="1200">
+        <a:defRPr kern="1200" sz="1500">
           <a:solidFill>
             <a:schemeClr val="tx1"/>
           </a:solidFill>
@@ -2903,13 +2901,13 @@
           <a:cs typeface="+mn-cs"/>
         </a:defRPr>
       </a:lvl4pPr>
-      <a:lvl5pPr marL="2057400" indent="-228600" algn="l" defTabSz="457200" rtl="0" eaLnBrk="1" latinLnBrk="0" hangingPunct="1">
+      <a:lvl5pPr algn="l" defTabSz="342900" eaLnBrk="1" hangingPunct="1" indent="-342900" latinLnBrk="0" marL="1714500" rtl="0">
         <a:spcBef>
           <a:spcPct val="20000"/>
         </a:spcBef>
         <a:buFont typeface="Arial"/>
         <a:buChar char="»"/>
-        <a:defRPr sz="2000" kern="1200">
+        <a:defRPr kern="1200" sz="1500">
           <a:solidFill>
             <a:schemeClr val="tx1"/>
           </a:solidFill>
@@ -2918,13 +2916,13 @@
           <a:cs typeface="+mn-cs"/>
         </a:defRPr>
       </a:lvl5pPr>
-      <a:lvl6pPr marL="2514600" indent="-228600" algn="l" defTabSz="457200" rtl="0" eaLnBrk="1" latinLnBrk="0" hangingPunct="1">
+      <a:lvl6pPr algn="l" defTabSz="342900" eaLnBrk="1" hangingPunct="1" indent="-342900" latinLnBrk="0" marL="2057400" rtl="0">
         <a:spcBef>
           <a:spcPct val="20000"/>
         </a:spcBef>
         <a:buFont typeface="Arial"/>
         <a:buChar char="•"/>
-        <a:defRPr sz="2000" kern="1200">
+        <a:defRPr kern="1200" sz="1500">
           <a:solidFill>
             <a:schemeClr val="tx1"/>
           </a:solidFill>
@@ -2933,13 +2931,13 @@
           <a:cs typeface="+mn-cs"/>
         </a:defRPr>
       </a:lvl6pPr>
-      <a:lvl7pPr marL="2971800" indent="-228600" algn="l" defTabSz="457200" rtl="0" eaLnBrk="1" latinLnBrk="0" hangingPunct="1">
+      <a:lvl7pPr algn="l" defTabSz="342900" eaLnBrk="1" hangingPunct="1" indent="-342900" latinLnBrk="0" marL="2400300" rtl="0">
         <a:spcBef>
           <a:spcPct val="20000"/>
         </a:spcBef>
         <a:buFont typeface="Arial"/>
         <a:buChar char="•"/>
-        <a:defRPr sz="2000" kern="1200">
+        <a:defRPr kern="1200" sz="1500">
           <a:solidFill>
             <a:schemeClr val="tx1"/>
           </a:solidFill>
@@ -2948,13 +2946,13 @@
           <a:cs typeface="+mn-cs"/>
         </a:defRPr>
       </a:lvl7pPr>
-      <a:lvl8pPr marL="3429000" indent="-228600" algn="l" defTabSz="457200" rtl="0" eaLnBrk="1" latinLnBrk="0" hangingPunct="1">
+      <a:lvl8pPr algn="l" defTabSz="342900" eaLnBrk="1" hangingPunct="1" indent="-342900" latinLnBrk="0" marL="2743200" rtl="0">
         <a:spcBef>
           <a:spcPct val="20000"/>
         </a:spcBef>
         <a:buFont typeface="Arial"/>
         <a:buChar char="•"/>
-        <a:defRPr sz="2000" kern="1200">
+        <a:defRPr kern="1200" sz="1500">
           <a:solidFill>
             <a:schemeClr val="tx1"/>
           </a:solidFill>
@@ -2963,13 +2961,13 @@
           <a:cs typeface="+mn-cs"/>
         </a:defRPr>
       </a:lvl8pPr>
-      <a:lvl9pPr marL="3886200" indent="-228600" algn="l" defTabSz="457200" rtl="0" eaLnBrk="1" latinLnBrk="0" hangingPunct="1">
+      <a:lvl9pPr algn="l" defTabSz="342900" eaLnBrk="1" hangingPunct="1" indent="-342900" latinLnBrk="0" marL="3086100" rtl="0">
         <a:spcBef>
           <a:spcPct val="20000"/>
         </a:spcBef>
         <a:buFont typeface="Arial"/>
         <a:buChar char="•"/>
-        <a:defRPr sz="2000" kern="1200">
+        <a:defRPr kern="1200" sz="1500">
           <a:solidFill>
             <a:schemeClr val="tx1"/>
           </a:solidFill>
@@ -2983,8 +2981,8 @@
       <a:defPPr>
         <a:defRPr lang="en-US"/>
       </a:defPPr>
-      <a:lvl1pPr marL="0" algn="l" defTabSz="457200" rtl="0" eaLnBrk="1" latinLnBrk="0" hangingPunct="1">
-        <a:defRPr sz="1800" kern="1200">
+      <a:lvl1pPr algn="l" defTabSz="342900" eaLnBrk="1" hangingPunct="1" latinLnBrk="0" marL="0" rtl="0">
+        <a:defRPr kern="1200" sz="1350">
           <a:solidFill>
             <a:schemeClr val="tx1"/>
           </a:solidFill>
@@ -2993,8 +2991,8 @@
           <a:cs typeface="+mn-cs"/>
         </a:defRPr>
       </a:lvl1pPr>
-      <a:lvl2pPr marL="457200" algn="l" defTabSz="457200" rtl="0" eaLnBrk="1" latinLnBrk="0" hangingPunct="1">
-        <a:defRPr sz="1800" kern="1200">
+      <a:lvl2pPr algn="l" defTabSz="342900" eaLnBrk="1" hangingPunct="1" latinLnBrk="0" marL="342900" rtl="0">
+        <a:defRPr kern="1200" sz="1350">
           <a:solidFill>
             <a:schemeClr val="tx1"/>
           </a:solidFill>
@@ -3003,8 +3001,8 @@
           <a:cs typeface="+mn-cs"/>
         </a:defRPr>
       </a:lvl2pPr>
-      <a:lvl3pPr marL="914400" algn="l" defTabSz="457200" rtl="0" eaLnBrk="1" latinLnBrk="0" hangingPunct="1">
-        <a:defRPr sz="1800" kern="1200">
+      <a:lvl3pPr algn="l" defTabSz="342900" eaLnBrk="1" hangingPunct="1" latinLnBrk="0" marL="685800" rtl="0">
+        <a:defRPr kern="1200" sz="1350">
           <a:solidFill>
             <a:schemeClr val="tx1"/>
           </a:solidFill>
@@ -3013,8 +3011,8 @@
           <a:cs typeface="+mn-cs"/>
         </a:defRPr>
       </a:lvl3pPr>
-      <a:lvl4pPr marL="1371600" algn="l" defTabSz="457200" rtl="0" eaLnBrk="1" latinLnBrk="0" hangingPunct="1">
-        <a:defRPr sz="1800" kern="1200">
+      <a:lvl4pPr algn="l" defTabSz="342900" eaLnBrk="1" hangingPunct="1" latinLnBrk="0" marL="1028700" rtl="0">
+        <a:defRPr kern="1200" sz="1350">
           <a:solidFill>
             <a:schemeClr val="tx1"/>
           </a:solidFill>
@@ -3023,8 +3021,8 @@
           <a:cs typeface="+mn-cs"/>
         </a:defRPr>
       </a:lvl4pPr>
-      <a:lvl5pPr marL="1828800" algn="l" defTabSz="457200" rtl="0" eaLnBrk="1" latinLnBrk="0" hangingPunct="1">
-        <a:defRPr sz="1800" kern="1200">
+      <a:lvl5pPr algn="l" defTabSz="342900" eaLnBrk="1" hangingPunct="1" latinLnBrk="0" marL="1371600" rtl="0">
+        <a:defRPr kern="1200" sz="1350">
           <a:solidFill>
             <a:schemeClr val="tx1"/>
           </a:solidFill>
@@ -3033,8 +3031,8 @@
           <a:cs typeface="+mn-cs"/>
         </a:defRPr>
       </a:lvl5pPr>
-      <a:lvl6pPr marL="2286000" algn="l" defTabSz="457200" rtl="0" eaLnBrk="1" latinLnBrk="0" hangingPunct="1">
-        <a:defRPr sz="1800" kern="1200">
+      <a:lvl6pPr algn="l" defTabSz="342900" eaLnBrk="1" hangingPunct="1" latinLnBrk="0" marL="1714500" rtl="0">
+        <a:defRPr kern="1200" sz="1350">
           <a:solidFill>
             <a:schemeClr val="tx1"/>
           </a:solidFill>
@@ -3043,8 +3041,8 @@
           <a:cs typeface="+mn-cs"/>
         </a:defRPr>
       </a:lvl6pPr>
-      <a:lvl7pPr marL="2743200" algn="l" defTabSz="457200" rtl="0" eaLnBrk="1" latinLnBrk="0" hangingPunct="1">
-        <a:defRPr sz="1800" kern="1200">
+      <a:lvl7pPr algn="l" defTabSz="342900" eaLnBrk="1" hangingPunct="1" latinLnBrk="0" marL="2057400" rtl="0">
+        <a:defRPr kern="1200" sz="1350">
           <a:solidFill>
             <a:schemeClr val="tx1"/>
           </a:solidFill>
@@ -3053,8 +3051,8 @@
           <a:cs typeface="+mn-cs"/>
         </a:defRPr>
       </a:lvl7pPr>
-      <a:lvl8pPr marL="3200400" algn="l" defTabSz="457200" rtl="0" eaLnBrk="1" latinLnBrk="0" hangingPunct="1">
-        <a:defRPr sz="1800" kern="1200">
+      <a:lvl8pPr algn="l" defTabSz="342900" eaLnBrk="1" hangingPunct="1" latinLnBrk="0" marL="2400300" rtl="0">
+        <a:defRPr kern="1200" sz="1350">
           <a:solidFill>
             <a:schemeClr val="tx1"/>
           </a:solidFill>
@@ -3063,8 +3061,8 @@
           <a:cs typeface="+mn-cs"/>
         </a:defRPr>
       </a:lvl8pPr>
-      <a:lvl9pPr marL="3657600" algn="l" defTabSz="457200" rtl="0" eaLnBrk="1" latinLnBrk="0" hangingPunct="1">
-        <a:defRPr sz="1800" kern="1200">
+      <a:lvl9pPr algn="l" defTabSz="342900" eaLnBrk="1" hangingPunct="1" latinLnBrk="0" marL="2743200" rtl="0">
+        <a:defRPr kern="1200" sz="1350">
           <a:solidFill>
             <a:schemeClr val="tx1"/>
           </a:solidFill>
@@ -3079,7 +3077,7 @@
 </file>
 
 <file path=ppt/slides/slide1.xml><?xml version="1.0" encoding="utf-8"?>
-<p:sld xmlns:a="http://schemas.openxmlformats.org/drawingml/2006/main" xmlns:p="http://schemas.openxmlformats.org/presentationml/2006/main" xmlns:r="http://schemas.openxmlformats.org/officeDocument/2006/relationships">
+<p:sld xmlns:a="http://schemas.openxmlformats.org/drawingml/2006/main" xmlns:r="http://schemas.openxmlformats.org/officeDocument/2006/relationships" xmlns:p="http://schemas.openxmlformats.org/presentationml/2006/main">
   <p:cSld>
     <p:spTree>
       <p:nvGrpSpPr>
@@ -3087,65 +3085,434 @@
         <p:cNvGrpSpPr/>
         <p:nvPr/>
       </p:nvGrpSpPr>
-      <p:grpSpPr/>
-      <p:sp>
-        <p:nvSpPr>
-          <p:cNvPr id="2" name="Title 1"/>
-          <p:cNvSpPr>
-            <a:spLocks noGrp="1"/>
-          </p:cNvSpPr>
-          <p:nvPr>
-            <p:ph type="title"/>
-          </p:nvPr>
-        </p:nvSpPr>
-        <p:spPr/>
-        <p:txBody>
-          <a:bodyPr/>
-          <a:lstStyle/>
-          <a:p/>
+      <p:grpSpPr>
+        <a:xfrm>
+          <a:off x="0" y="0"/>
+          <a:ext cx="0" cy="0"/>
+          <a:chOff x="0" y="0"/>
+          <a:chExt cx="0" cy="0"/>
+        </a:xfrm>
+      </p:grpSpPr>
+      <p:sp>
+        <p:nvSpPr>
+          <p:cNvPr id="4" name="Text Placeholder 3"/>
+          <p:cNvSpPr>
+            <a:spLocks noGrp="1"/>
+          </p:cNvSpPr>
+          <p:nvPr>
+            <p:ph idx="2" sz="half" type="body"/>
+          </p:nvPr>
+        </p:nvSpPr>
+        <p:spPr/>
+        <p:txBody>
+          <a:bodyPr/>
+          <a:lstStyle/>
+          <a:p>
+            <a:pPr lvl="0" indent="-342900" marL="342900">
+              <a:buAutoNum type="arabicPeriod"/>
+            </a:pPr>
+            <a:r>
+              <a:rPr>
+                <a:hlinkClick r:id="rId2"/>
+              </a:rPr>
+              <a:t>Docs</a:t>
+            </a:r>
+          </a:p>
+          <a:p>
+            <a:pPr lvl="0" indent="-342900" marL="342900">
+              <a:buAutoNum type="arabicPeriod"/>
+            </a:pPr>
+            <a:r>
+              <a:rPr>
+                <a:hlinkClick r:id="rId3"/>
+              </a:rPr>
+              <a:t>Learn</a:t>
+            </a:r>
+          </a:p>
+          <a:p>
+            <a:pPr lvl="0" indent="-342900" marL="342900">
+              <a:buAutoNum type="arabicPeriod"/>
+            </a:pPr>
+            <a:r>
+              <a:rPr>
+                <a:hlinkClick r:id="rId4"/>
+              </a:rPr>
+              <a:t>Browse</a:t>
+            </a:r>
+          </a:p>
         </p:txBody>
       </p:sp>
       <p:pic>
         <p:nvPicPr>
-          <p:cNvPr id="3" name="Picture Placeholder 2" descr="header.png"/>
+          <p:cNvPr descr="data:image/svg+xml;base64,PD94bWwgdmVyc2lvbj0iMS4wIiBlbmNvZGluZz0iVVRGLTgiPz4NCjxzdmcgd2lkdGg9IjEwMHB4IiBoZWlnaHQ9IjEwMHB4IiB2aWV3Qm94PSIwIDAgMTAwIDEwMCIgdmVyc2lvbj0iMS4xIiB4bWxucz0iaHR0cDovL3d3dy53My5vcmcvMjAwMC9zdmciIHhtbG5zOnhsaW5rPSJodHRwOi8vd3d3LnczLm9yZy8xOTk5L3hsaW5rIj4NCiAgICA8IS0tIEdlbmVyYXRvcjogU2tldGNoIDU1LjIgKDc4MTgxKSAtIGh0dHBzOi8vc2tldGNoYXBwLmNvbSAtLT4NCiAgICA8dGl0bGU+TkEvYWxsb3ctdXNlcnMtdG8tcmVzZXQtdGhlaXItcGFzc3dvcmQtd2l0aC1henVyZS1hY3RpdmUtZGlyZWN0b3J5LXNlbGYtc2VydmljZS1wYXNzd29yZC1yZXNldDwvdGl0bGU+DQogICAgPGRlc2M+Q3JlYXRlZCB3aXRoIFNrZXRjaC48L2Rlc2M+DQogICAgPGRlZnM+DQogICAgICAgIDxyZWN0IGlkPSJwYXRoLTEiIHg9IjAiIHk9IjAiIHdpZHRoPSI5NiIgaGVpZ2h0PSI5NiIgcng9IjQ4Ij48L3JlY3Q+DQogICAgICAgIDxmaWx0ZXIgeD0iLTUuMCUiIHk9Ii04LjMlIiB3aWR0aD0iMTEwLjAlIiBoZWlnaHQ9IjExNi43JSIgZmlsdGVyVW5pdHM9Im9iamVjdEJvdW5kaW5nQm94IiBpZD0iZmlsdGVyLTMiPg0KICAgICAgICAgICAgPGZlT2Zmc2V0IGR4PSIwIiBkeT0iMiIgaW49IlNvdXJjZUFscGhhIiByZXN1bHQ9InNoYWRvd09mZnNldE91dGVyMSI+PC9mZU9mZnNldD4NCiAgICAgICAgICAgIDxmZUNvbG9yTWF0cml4IHZhbHVlcz0iMCAwIDAgMCAwICAgMCAwIDAgMCAwICAgMCAwIDAgMCAwICAwIDAgMCAwLjA5OTA3MTU1OCAwIiB0eXBlPSJtYXRyaXgiIGluPSJzaGFkb3dPZmZzZXRPdXRlcjEiIHJlc3VsdD0ic2hhZG93TWF0cml4T3V0ZXIxIj48L2ZlQ29sb3JNYXRyaXg+DQogICAgICAgICAgICA8ZmVNZXJnZT4NCiAgICAgICAgICAgICAgICA8ZmVNZXJnZU5vZGUgaW49InNoYWRvd01hdHJpeE91dGVyMSI+PC9mZU1lcmdlTm9kZT4NCiAgICAgICAgICAgICAgICA8ZmVNZXJnZU5vZGUgaW49IlNvdXJjZUdyYXBoaWMiPjwvZmVNZXJnZU5vZGU+DQogICAgICAgICAgICA8L2ZlTWVyZ2U+DQogICAgICAgIDwvZmlsdGVyPg0KICAgICAgICA8ZmlsdGVyIHg9Ii0xNi4yJSIgeT0iLTYuOCUiIHdpZHRoPSIxMzIuNCUiIGhlaWdodD0iMTEzLjUlIiBmaWx0ZXJVbml0cz0ib2JqZWN0Qm91bmRpbmdCb3giIGlkPSJmaWx0ZXItNCI+DQogICAgICAgICAgICA8ZmVPZmZzZXQgZHg9IjAiIGR5PSIyIiBpbj0iU291cmNlQWxwaGEiIHJlc3VsdD0ic2hhZG93T2Zmc2V0T3V0ZXIxIj48L2ZlT2Zmc2V0Pg0KICAgICAgICAgICAgPGZlQ29sb3JNYXRyaXggdmFsdWVzPSIwIDAgMCAwIDAgICAwIDAgMCAwIDAgICAwIDAgMCAwIDAgIDAgMCAwIDAuMTAzOTkzNjYzIDAiIHR5cGU9Im1hdHJpeCIgaW49InNoYWRvd09mZnNldE91dGVyMSIgcmVzdWx0PSJzaGFkb3dNYXRyaXhPdXRlcjEiPjwvZmVDb2xvck1hdHJpeD4NCiAgICAgICAgICAgIDxmZU1lcmdlPg0KICAgICAgICAgICAgICAgIDxmZU1lcmdlTm9kZSBpbj0ic2hhZG93TWF0cml4T3V0ZXIxIj48L2ZlTWVyZ2VOb2RlPg0KICAgICAgICAgICAgICAgIDxmZU1lcmdlTm9kZSBpbj0iU291cmNlR3JhcGhpYyI+PC9mZU1lcmdlTm9kZT4NCiAgICAgICAgICAgIDwvZmVNZXJnZT4NCiAgICAgICAgPC9maWx0ZXI+DQogICAgPC9kZWZzPg0KICAgIDxnIGlkPSJCYWRnZXMiIHN0cm9rZT0ibm9uZSIgc3Ryb2tlLXdpZHRoPSIxIiBmaWxsPSJub25lIiBmaWxsLXJ1bGU9ImV2ZW5vZGQiPg0KICAgICAgICA8ZyBpZD0iTi9BLTMwIiB0cmFuc2Zvcm09InRyYW5zbGF0ZSgtNTAuMDAwMDAwLCAtODYwLjAwMDAwMCkiPg0KICAgICAgICAgICAgPGcgaWQ9Ik5BL2FsbG93LXVzZXJzLXRvLXJlc2V0LXRoZWlyLXBhc3N3b3JkLXdpdGgtYXp1cmUtYWN0aXZlLWRpcmVjdG9yeS1zZWxmLXNlcnZpY2UtcGFzc3dvcmQtcmVzZXQiIHRyYW5zZm9ybT0idHJhbnNsYXRlKDUwLjAwMDAwMCwgODYwLjAwMDAwMCkiPg0KICAgICAgICAgICAgICAgIDxnIGlkPSJNYXNrIiB0cmFuc2Zvcm09InRyYW5zbGF0ZSgyLjAwMDAwMCwgMi4wMDAwMDApIj4NCiAgICAgICAgICAgICAgICAgICAgPG1hc2sgaWQ9Im1hc2stMiIgZmlsbD0id2hpdGUiPg0KICAgICAgICAgICAgICAgICAgICAgICAgPHVzZSB4bGluazpocmVmPSIjcGF0aC0xIj48L3VzZT4NCiAgICAgICAgICAgICAgICAgICAgPC9tYXNrPg0KICAgICAgICAgICAgICAgICAgICA8dXNlIGlkPSJCRyIgZmlsbD0iIzU1QTJGRiIgeGxpbms6aHJlZj0iI3BhdGgtMSI+PC91c2U+DQogICAgICAgICAgICAgICAgICAgIDxnIGlkPSJIYW5kIiBmaWx0ZXI9InVybCgjZmlsdGVyLTMpIiBtYXNrPSJ1cmwoI21hc2stMikiPg0KICAgICAgICAgICAgICAgICAgICAgICAgPGcgdHJhbnNmb3JtPSJ0cmFuc2xhdGUoNC4wMDAwMDAsIDU1LjAwMDAwMCkiPg0KICAgICAgICAgICAgICAgICAgICAgICAgICAgIDxwYXRoIGQ9Ik03MC45MDA1MTY0LDIuNjY2MjQ2MSBMNjEuMjg5MjAwOCwxMS4xMjUyMjc5IEM2MC4wMzEwNjczLDEyLjIxNzQ5NTQgNTguNDEwOTYyNSwxMi44MjA0NzU3IDU2LjczMzEwNzMsMTIuODIwNDc1NyBMNDcuNDY5MzI1MywxMi44MjA0NzU3IEM0Ni42MTU0NDQ1LDEyLjgyMDQ3NTcgNDUuOTIyNDM5OCwxMi4xMzgzMTYxIDQ1LjkyMjQzOTgsMTEuMjk3Nzk4MSBDNDUuOTIyNDM5OCwxMC40NTcyOCA0Ni42MTU0NDQ1LDkuNzc1MTIwNDQgNDcuNDY5MzI1Myw5Ljc3NTEyMDQ0IEM0Ny40NjkzMjUzLDkuNzc1MTIwNDQgNTMuOTI5MTE5NCw5Ljc3NTEyMDQ0IDU0LjE3MjQ5NjEsOS43NzUxMjA0NCBDNTYuNDUwNTQyOCw5Ljc3NTEyMDQ0IDU4LjI5NzUyNDIsNy45NTcwNDMzNCA1OC4yOTc1MjQyLDUuNzE0NjQ2NzQgQzU4LjI5NzUyNDIsMy40NzIyNTAxMyA1Ni40NTA1NDI4LDEuNjU0MTczMDMgNTQuMTcyNDk2MSwxLjY1NDE3MzAzIEM1My45MjkxMTk0LDEuNjU0MTczMDMgNDUuNTAzNzQ5NCwxLjY1NDE3MzAzIDQyLjgyODY2ODcsMS42NTQxNzMwMyBDNDEuMzIwOTcwOSwxLjY1NDE3MzAzIDM3LjkyODEzNTMsMS42NTQxNzMwMyAzNi4zMTczMTE4LDEuNjU0MTczMDMgQzMzLjAzNzkxNDQsMS42NTQxNzMwMyAzMC42MTAzMzU0LDIuODYxMTQ4ODQgMjguMjMzMjg3OSw0LjczMjAxMjEgQzI2LjExODE3OTcsNi4zOTY4MDYzMiAyMS40MjgwMjI3LDEwLjcxODE2NTUgMTkuMjQyNzg5MSwxMi43NDk0MTc0IEwzMi4wMzk2NTc2LDI1LjM0NjAyMiBDMzIuODkzNTM4NCwyNS4xNDE5ODMyIDMzLjg3OTQyMDEsMjUuMDAxODk2OCAzNS4wMDM0OTAzLDI1LjAwMTg5NjggTDU1LjIwMzc1MzEsMjUuMDAxODk2OCBDNTkuMTQxMDkyNCwyNS4wMDE4OTY4IDYyLjg4NzY0OTIsMjMuMzI5OTk2OCA2NS40ODIyOTE5LDIwLjQxNTU5MTggTDc5LjQ2NDA3NDgsMy45MzgxODk0OSBDODAuMzk3MzYyNCwyLjkzOTMxMjk2IDc5LjkzNDMyOCwxLjMyMzI0NDQzIDc4LjYwOTE2MjcsMC45NTA2OTU5NjMgQzc1LjkxMDM2MzEsMC4xOTI0MDI0OTkgNzMuMDA1MzEyLDAuODM5MDMyOTM2IDcwLjkwMDUxNjQsMi42NjYyNDYxIFoiIGlkPSJGaWxsLTE2OCIgZmlsbD0iI0MyOUY4MiI+PC9wYXRoPg0KICAgICAgICAgICAgICAgICAgICAgICAgICAgIDxwYXRoIGQ9Ik02Ljg3NDEyNTAzLDE1LjU0ODg0MzUgTDI3Ljk5MDQwNDEsMTUuNTQ4ODQzNSBDMjkuMDk0OTczNiwxNS41NDg4NDM1IDI5Ljk5MDQwNDEsMTYuNDQ0Mjc0IDI5Ljk5MDQwNDEsMTcuNTQ4ODQzNSBMMjkuOTkwNDA0MSwzNy43MzQ4OSBDMjkuOTkwNDA0MSwzOC44Mzk0NTk1IDI5LjA5NDk3MzYsMzkuNzM0ODkgMjcuOTkwNDA0MSwzOS43MzQ4OSBMNi44NzQxMjUwMywzOS43MzQ4OSBDNS43Njk1NTU1MywzOS43MzQ4OSA0Ljg3NDEyNTAzLDM4LjgzOTQ1OTUgNC44NzQxMjUwMywzNy43MzQ4OSBMNC44NzQxMjUwMywxNy41NDg4NDM1IEM0Ljg3NDEyNTAzLDE2LjQ0NDI3NCA1Ljc2OTU1NTUzLDE1LjU0ODg0MzUgNi44NzQxMjUwMywxNS41NDg4NDM1IFoiIGlkPSJSZWN0YW5nbGUiIGZpbGw9IiM3Q0I2NUEiIHRyYW5zZm9ybT0idHJhbnNsYXRlKDE3LjQzMjI2NSwgMjcuNjQxODY3KSByb3RhdGUoNDUuMDAwMDAwKSB0cmFuc2xhdGUoLTE3LjQzMjI2NSwgLTI3LjY0MTg2NykgIj48L3BhdGg+DQogICAgICAgICAgICAgICAgICAgICAgICAgICAgPHBhdGggZD0iTTE1LjI1MjI4NjIsMjEuMzY2OTYwNiBMMjYuNDg4NDYxOSwyMS4xNDg1Mzk5IEwyNi40ODkxMjIyLDQxLjQ2NjQ2NyBDMjYuNDg5MTUyLDQyLjM4NDM1MjMgMjUuODY0MzgzMSw0My4xODQ0MjkyIDI0Ljk3Mzg2Niw0My40MDY4OTg4IEwxNS4zMTAwMjQzLDQ1LjgyMTEyNjYgQzE0LjIzODM4OTIsNDYuMDg4ODQzMiAxMy4xNTI2MzAyLDQ1LjQzNzEzODYgMTIuODg0OTEzNiw0NC4zNjU1MDM2IEMxMi44NDE2MjM1LDQ0LjE5MjIxODggMTIuODIxNzQwOCw0NC4wMTM5MTU4IDEyLjgyNTc5Niw0My44MzUzNTE1IEwxMy4yOTE2NzI1LDIzLjMyMTE3NDYgQzEzLjMxNjAwNjcsMjIuMjQ5NjU1IDE0LjE4MDY5MjgsMjEuMzg3NzkxMyAxNS4yNTIyODYyLDIxLjM2Njk2MDYgWiIgaWQ9IlJlY3RhbmdsZSIgZmlsbD0iIzZDQTQ0QyIgdHJhbnNmb3JtPSJ0cmFuc2xhdGUoMTkuNjU3MjI3LCAzMy41MTQ4ODgpIHJvdGF0ZSg0NS4wMDAwMDApIHRyYW5zbGF0ZSgtMTkuNjU3MjI3LCAtMzMuNTE0ODg4KSAiPjwvcGF0aD4NCiAgICAgICAgICAgICAgICAgICAgICAgICAgICA8cGF0aCBkPSJNNDYuMzYwNzI0LDEyLjM1NjU2NjYgQzQ2LjA5MDUzNDcsMTIuMDgyNDg0NiA0NS45MjI0Mzk4LDExLjcwOTkzNjIgNDUuOTIyNDM5OCwxMS4yOTc3OTgxIEM0NS45MjI0Mzk4LDEwLjQ1NzI4IDQ2LjYxNTQ0NDUsOS43NzUxMjA0NCA0Ny40NjkzMjUzLDkuNzc1MTIwNDQgQzQ3LjQ2OTMyNTMsOS43NzUxMjA0NCA0OS4zMjI0OTQyLDkuNzgyMjI2MjcgNTEuMDc3NjkzNyw5Ljc4OTMzMjEgQzUxLjA3NzY5MzcsOS43ODQyNTY1IDU0LjE3MjQ5NjEsOS43NzUxMjA0NCA1NC4xNzI0OTYxLDkuNzc1MTIwNDQgQzU0LjMxNDgwOTUsOS43NjU5ODQzNyA1NC42OTEyMTgzLDkuNzEyMTgzMSA1NC44NDY5MzgyLDkuNjIzODY3NzkgQzU2LjIyNTcyODgsOC44NDgzMTczMiA1NS41NDQwNjc5LDYuNzI5NzY1MTYgNTMuOTU2OTYzMyw2LjcyOTc2NTE2IEw0OC4xNTMwNDg3LDYuNzI5NzY1MTYgQzQ2LjUwMjAwNjIsNi43Mjk3NjUxNiA0NS4wMTgwMjc0LDcuOTI5NjM1MTQgNDQuODk5NDMyOCw5LjU1MDc3OTI3IEM0NC44MTE3NzYsMTAuNzM3NDUyNyA0NS40MjIyODAxLDExLjc4MzAyNDcgNDYuMzYwNzI0LDEyLjM1NjU2NjYiIGlkPSJGaWxsLTE3NCIgZmlsbD0iI0NGQTc4NiI+PC9wYXRoPg0KICAgICAgICAgICAgICAgICAgICAgICAgICAgIDxwYXRoIGQ9Ik01MS4wNzg3MjUsNi43Mjk3NjUxNiBMNTEuMDc4NzI1LDQuNjk5NTI4MzEgQzUxLjA3ODcyNSw0LjEzOTE4Mjk0IDUxLjU0MDcyODEsMy42ODQ0MDk4OCA1Mi4xMDk5ODIsMy42ODQ0MDk4OCBMNTQuMTcyNDk2MSwzLjY4NDQwOTg4IEM1NS4zMTIwMzUxLDMuNjg0NDA5ODggNTYuMjM1MDEwMSw0LjU5Mjk0MDg4IDU2LjIzNTAxMDEsNS43MTQ2NDY3NCBDNTYuMjM1MDEwMSw2LjgzNTMzNzQ4IDU1LjMxMjAzNTEsNy43NDQ4ODM1OSA1NC4xNzI0OTYxLDcuNzQ0ODgzNTkgTDUyLjEwOTk4Miw3Ljc0NDg4MzU5IEM1MS41NDA3MjgxLDcuNzQ0ODgzNTkgNTEuMDc4NzI1LDcuMjkwMTEwNTMgNTEuMDc4NzI1LDYuNzI5NzY1MTYiIGlkPSJGaWxsLTE4MCIgZmlsbD0iI0VCQzhBQyI+PC9wYXRoPg0KICAgICAgICAgICAgICAgICAgICAgICAgICAgIDxwYXRoIGQ9Ik01Mi4xMDk5ODIsNy43NDQ4ODM1OSBMNTQuMTcyNDk2MSw3Ljc0NDg4MzU5IEM1NC41ODE5MDUxLDcuNzQ0ODgzNTkgNTQuOTYxNDA3Nyw3LjYyNDA4NDQ5IDU1LjI4MjEyODYsNy40MjEwNjA4MSBDNTUuMDAwNTk1NSw3LjAxOTA3MzkxIDU0LjU0MTY4NjEsNi43Mjk3NjUxNiA1My45NTY5NjMzLDYuNzI5NzY1MTYgTDUxLjA3ODcyNSw2LjcyOTc2NTE2IEM1MS4wNzg3MjUsNy4yOTAxMTA1MyA1MS41NDA3MjgxLDcuNzQ0ODgzNTkgNTIuMTA5OTgyLDcuNzQ0ODgzNTkiIGlkPSJGaWxsLTE4MSIgZmlsbD0iI0VBQzVBNyI+PC9wYXRoPg0KICAgICAgICAgICAgICAgICAgICAgICAgICAgIDxwYXRoIGQ9Ik01Mi4xMDk5ODIsNS43MTQ2NDY3NCBDNTIuMTA5OTgyLDQuOTA2NjEyNDcgNTEuODY4NjY3OCw0LjIxNTMxNjgyIDUxLjUyMjE2NTUsMy44ODg0NDg2OSBDNTEuMjYwMjI2Miw0LjA3MjE4NTEyIDUxLjA3ODcyNSw0LjM1ODQ0ODUyIDUxLjA3ODcyNSw0LjY5OTUyODMxIEw1MS4wNzg3MjUsNi43Mjk3NjUxNiBDNTEuMDc4NzI1LDcuMDY5ODI5ODMgNTEuMjYwMjI2Miw3LjM1NzEwODM1IDUxLjUyMjE2NTUsNy41NDA4NDQ3OCBDNTEuODY4NjY3OCw3LjIxMzk3NjY1IDUyLjEwOTk4Miw2LjUyMjY4MSA1Mi4xMDk5ODIsNS43MTQ2NDY3NCIgaWQ9IkZpbGwtMTgyIiBmaWxsPSIjRkZGRkZFIj48L3BhdGg+DQogICAgICAgICAgICAgICAgICAgICAgICAgICAgPHBhdGggZD0iTTUxLjUyMjE2NTUsNy41NDA4NDQ3OCBDNTEuNzA3NzkxNyw3LjM2NTIyOTMgNTEuODYwNDE3OCw3LjA3Nzk1MDc4IDUxLjk2NDU3NDcsNi43Mjk3NjUxNiBMNTEuMDc4NzI1LDYuNzI5NzY1MTYgQzUxLjA3ODcyNSw3LjA2OTgyOTgzIDUxLjI2MDIyNjIsNy4zNTcxMDgzNSA1MS41MjIxNjU1LDcuNTQwODQ0NzgiIGlkPSJGaWxsLTE4MyIgZmlsbD0iI0Y5RDhCRSI+PC9wYXRoPg0KICAgICAgICAgICAgICAgICAgICAgICAgICAgIDxwYXRoIGQ9Ik02NC40NTEwMzQ5LDE3LjM3MDIzNjUgQzY0LjIzNDQ3MDksMTcuNjEyODQ5OCA2NC4wMTA2ODgyLDE3Ljg0NjMyNyA2My43Nzg2NTUzLDE4LjA3MjY5ODUgQzYwLjYwOTYwMjUsMjEuMTU1NjEzMSA1NS45ODMzODM0LDIyLjMwMjY5NjkgNTEuNjA4NzkxMSwyMS40NjcyNTQ1IEwzMy4yNTk2MzQ3LDE3Ljk2MjA1MDUgQzMwLjUzNDAyMjMsMTcuNDQxMjk0OCAyOC4wOTU1MTIxLDE3Ljc3NTIzMjggMjUuNTE1MzA3LDE4LjY3ODY4ODIgTDMyLjAzOTY1NzYsMjUuMzQ2MDIyIEMzMi44OTM1Mzg0LDI1LjE0MTk4MzIgMzMuODc5NDIwMSwyNS4wMDE4OTY4IDM1LjAwMzQ5MDMsMjUuMDAxODk2OCBMNTUuMjAzNzUzMSwyNS4wMDE4OTY4IEM1OS4xNDEwOTI0LDI1LjAwMTg5NjggNjIuODg3NjQ5MiwyMy4zMjk5OTY4IDY1LjQ4MjI5MTksMjAuNDE1NTkxOCBMNzkuNDY0MDc0OCwzLjkzODE4OTQ5IEM3OS42MzgzNTcyLDMuNzUxNDA3NyA3OS43MTc3NjQsMy41MjkwOTY3NiA3OS43MzExNzA0LDMuMjkxNTU5MDUgQzc5LjgwMTI5NTksMi4wNjQyODA4OCA3OC4xMjM0NDA3LDEuNTQyNTEwMDEgNzcuMzM3NjIyOCwyLjQ5ODc1MTU2IEw2NC40NTEwMzQ5LDE3LjM3MDIzNjUgWiIgaWQ9IkZpbGwtMTg0IiBmaWxsPSIjQUQ4QzcyIj48L3BhdGg+DQogICAgICAgICAgICAgICAgICAgICAgICA8L2c+DQogICAgICAgICAgICAgICAgICAgIDwvZz4NCiAgICAgICAgICAgICAgICAgICAgPGcgaWQ9Ikdyb3VwLTciIG1hc2s9InVybCgjbWFzay0yKSI+DQogICAgICAgICAgICAgICAgICAgICAgICA8ZyB0cmFuc2Zvcm09InRyYW5zbGF0ZSgxOC4wMDAwMDAsIDI2LjAwMDAwMCkiPg0KICAgICAgICAgICAgICAgICAgICAgICAgICAgIDxnIGlkPSJHcm91cC0xMiIgZmlsdGVyPSJ1cmwoI2ZpbHRlci00KSIgdHJhbnNmb3JtPSJ0cmFuc2xhdGUoMzAuMjk4ODc5LCAxMi4zMjg3NjcpIHJvdGF0ZSgyNzAuMDAwMDAwKSB0cmFuc2xhdGUoLTMwLjI5ODg3OSwgLTEyLjMyODc2NykgdHJhbnNsYXRlKDE3Ljk3MDExMiwgLTE3LjI2MDI3NCkiPg0KICAgICAgICAgICAgICAgICAgICAgICAgICAgICAgICA8cGF0aCBkPSJNNS41MTczNDIxOSwyNy41ODIxMTM5IEw1LjUxNzM0MjE5LDUyLjQwNjAxNjUgQzUuNTE3MzQyMTksNTUuOTUzOTk1OCA4LjQwNDI3MDEyLDU4Ljg0MTg0MzEgMTEuOTUzMTY4OCw1OC44NDE4NDMxIEMxNS41MDExNDgsNTguODQxODQzMSAxOC4zODg5OTU0LDU1Ljk1Mzk5NTggMTguMzg4OTk1NCw1Mi40MDYwMTY1IEwxOC4zODg5OTU0LDI3LjU4MjExMzkgTDUuNTE3MzQyMTksMjcuNTgyMTEzOSIgaWQ9IkZpbGwtMjQ2IiBmaWxsPSIjQURCREM0Ij48L3BhdGg+DQogICAgICAgICAgICAgICAgICAgICAgICAgICAgICAgIDxwYXRoIGQ9Ik0xMS45NTMxNjg4LDEwLjExMzQ0MTggQzEwLjQyOTcxNjcsMTAuMTEzNDQxOCA5LjE5NDk1NzM5LDguODc4NjgyNDggOS4xOTQ5NTczOSw3LjM1NTIzMDM5IEM5LjE5NDk1NzM5LDUuODMxNzc4MjkgMTAuNDI5NzE2Nyw0LjU5NzAxODk5IDExLjk1MzE2ODgsNC41OTcwMTg5OSBDMTMuNDc2NjIwOSw0LjU5NzAxODk5IDE0LjcxMTM4MDIsNS44MzE3NzgyOSAxNC43MTEzODAyLDcuMzU1MjMwMzkgQzE0LjcxMTM4MDIsOC44Nzg2ODI0OCAxMy40NzY2MjA5LDEwLjExMzQ0MTggMTEuOTUzMTY4OCwxMC4xMTM0NDE4IFogTTE4LjM4ODk5NTQsMCBMNS41MTczNDIxOSwwIEMyLjQ3NTAzNTAyLDAgMC4wMDA5MTk0MDM3OTgsMi40NzQxMTU2MiAwLjAwMDkxOTQwMzc5OCw1LjUxNjQyMjc5IEwwLjAwMDkxOTQwMzc5OCwyMi4wNjU2OTEyIEMwLjAwMDkxOTQwMzc5OCwyNS4xMDc5OTgzIDIuNDc1MDM1MDIsMjcuNTgyMTEzOSA1LjUxNzM0MjE5LDI3LjU4MjExMzkgTDE4LjM4ODk5NTQsMjcuNTgyMTEzOSBDMjEuNDMwMzgzMSwyNy41ODIxMTM5IDIzLjkwNTQxODIsMjUuMTA3OTk4MyAyMy45MDU0MTgyLDIyLjA2NTY5MTIgTDIzLjkwNTQxODIsNS41MTY0MjI3OSBDMjMuOTA1NDE4MiwyLjQ3NDExNTYyIDIxLjQzMDM4MzEsMCAxOC4zODg5OTU0LDAgTDE4LjM4ODk5NTQsMCBaIiBpZD0iRmlsbC0yNDciIGZpbGw9IiMzMDQwNEQiPjwvcGF0aD4NCiAgICAgICAgICAgICAgICAgICAgICAgICAgICAgICAgPHBhdGggZD0iTTE4LjM4ODk5NTQsMCBMMTEuOTUzMTY4OCwwIEwxMS45NTMxNjg4LDMuNjc3NjE1MTkgQzEzLjk4NDEzMTgsMy42Nzc2MTUxOSAxNS42MzA3ODQsNS4zMjQyNjc0IDE1LjYzMDc4NCw3LjM1NTIzMDM5IEMxNS42MzA3ODQsOS4zODYxOTMzOCAxMy45ODQxMzE4LDExLjAzMjg0NTYgMTEuOTUzMTY4OCwxMS4wMzI4NDU2IEwxMS45NTMxNjg4LDI3LjU4MjExMzkgTDE4LjM4ODk5NTQsMjcuNTgyMTEzOSBDMjEuNDMwMzgzMSwyNy41ODIxMTM5IDIzLjkwNTQxODIsMjUuMTA3OTk4MyAyMy45MDU0MTgyLDIyLjA2NTY5MTIgTDIzLjkwNTQxODIsNS41MTY0MjI3OSBDMjMuOTA1NDE4MiwyLjQ3NDExNTYyIDIxLjQzMDM4MzEsMCAxOC4zODg5OTU0LDAiIGlkPSJGaWxsLTI0OCIgZmlsbD0iIzI0MzAzOCI+PC9wYXRoPg0KICAgICAgICAgICAgICAgICAgICAgICAgICAgICAgICA8cGF0aCBkPSJNMTMuNzkxOTc2NCw1Mi40MDYwMTY1IEMxMy43OTE5NzY0LDUzLjQyMTk1NzcgMTIuOTY4MTkwNiw1NC4yNDQ4MjQxIDExLjk1MzE2ODgsNTQuMjQ0ODI0MSBDMTAuOTM3MjI3Niw1NC4yNDQ4MjQxIDEwLjExNDM2MTIsNTMuNDIxOTU3NyAxMC4xMTQzNjEyLDUyLjQwNjAxNjUgQzEwLjExNDM2MTIsNTEuMzkwMDc1MyAxMC45MzcyMjc2LDUwLjU2NzIwODkgMTEuOTUzMTY4OCw1MC41NjcyMDg5IEMxMi45NjgxOTA2LDUwLjU2NzIwODkgMTMuNzkxOTc2NCw1MS4zOTAwNzUzIDEzLjc5MTk3NjQsNTIuNDA2MDE2NSIgaWQ9IkZpbGwtMjQ5IiBmaWxsPSIjOEJBNkIxIj48L3BhdGg+DQogICAgICAgICAgICAgICAgICAgICAgICAgICAgICAgIDxwYXRoIGQ9Ik0xMy43OTE5NzY0LDQwLjQ1Mzc2NzEgQzEzLjc5MTk3NjQsNDEuNDY5NzA4MyAxMi45NjgxOTA2LDQyLjI5MjU3NDcgMTEuOTUzMTY4OCw0Mi4yOTI1NzQ3IEMxMC45MzcyMjc2LDQyLjI5MjU3NDcgMTAuMTE0MzYxMiw0MS40Njk3MDgzIDEwLjExNDM2MTIsNDAuNDUzNzY3MSBDMTAuMTE0MzYxMiwzOS40Mzc4MjU5IDEwLjkzNzIyNzYsMzguNjE0OTU5NSAxMS45NTMxNjg4LDM4LjYxNDk1OTUgQzEyLjk2ODE5MDYsMzguNjE0OTU5NSAxMy43OTE5NzY0LDM5LjQzNzgyNTkgMTMuNzkxOTc2NCw0MC40NTM3NjcxIiBpZD0iRmlsbC0yNTAiIGZpbGw9IiM4QkE2QjEiPjwvcGF0aD4NCiAgICAgICAgICAgICAgICAgICAgICAgICAgICAgICAgPHBhdGggZD0iTTE1LjYzMDc4NCwyNS43NDMzMDY0IEw4LjI3NTU1MzU5LDI1Ljc0MzMwNjQgQzcuMjU5NjEyMzksMjUuNzQzMzA2NCA2LjQzNjc0NTk5LDI0LjkxOTUyMDUgNi40MzY3NDU5OSwyMy45MDQ0OTg4IEM2LjQzNjc0NTk5LDIyLjg4ODU1NzYgNy4yNTk2MTIzOSwyMi4wNjU2OTEyIDguMjc1NTUzNTksMjIuMDY1NjkxMiBMMTUuNjMwNzg0LDIyLjA2NTY5MTIgQzE2LjY0NTgwNTgsMjIuMDY1NjkxMiAxNy40Njk1OTE2LDIyLjg4ODU1NzYgMTcuNDY5NTkxNiwyMy45MDQ0OTg4IEMxNy40Njk1OTE2LDI0LjkxOTUyMDUgMTYuNjQ1ODA1OCwyNS43NDMzMDY0IDE1LjYzMDc4NCwyNS43NDMzMDY0IiBpZD0iRmlsbC0yNTEiIGZpbGw9IiMzMDQwNEQiPjwvcGF0aD4NCiAgICAgICAgICAgICAgICAgICAgICAgICAgICAgICAgPHBhdGggZD0iTTguMjc1NTUzNTksMjIuOTg1MDk1IEwxNS42MzA3ODQsMjIuOTg1MDk1IEMxNi40ODY3NDg5LDIyLjk4NTA5NSAxNy4xOTkyODY5LDIzLjU3MjU5NCAxNy40MDQzMTM5LDI0LjM2NDIwMDcgQzE3LjQ0MjkyODksMjQuMjE2MTc2NiAxNy40Njk1OTE2LDI0LjA2NDQ3NSAxNy40Njk1OTE2LDIzLjkwNDQ5ODggQzE3LjQ2OTU5MTYsMjIuODg4NTU3NiAxNi42NDU4MDU4LDIyLjA2NTY5MTIgMTUuNjMwNzg0LDIyLjA2NTY5MTIgTDguMjc1NTUzNTksMjIuMDY1NjkxMiBDNy4yNTk2MTIzOSwyMi4wNjU2OTEyIDYuNDM2NzQ1OTksMjIuODg4NTU3NiA2LjQzNjc0NTk5LDIzLjkwNDQ5ODggQzYuNDM2NzQ1OTksMjQuMDY0NDc1IDYuNDYzNDA4NywyNC4yMTYxNzY2IDYuNTAyMDIzNjYsMjQuMzY0MjAwNyBDNi43MDcwNTA3MSwyMy41NzI1OTQgNy40MTk1ODg2NSwyMi45ODUwOTUgOC4yNzU1NTM1OSwyMi45ODUwOTUiIGlkPSJGaWxsLTI1MiIgZmlsbD0iIzI0MzAzOCI+PC9wYXRoPg0KICAgICAgICAgICAgICAgICAgICAgICAgICAgICAgICA8cGF0aCBkPSJNMTUuNjMwNzg0LDIxLjE0NjI4NzQgTDguMjc1NTUzNTksMjEuMTQ2Mjg3NCBDNy4yNTk2MTIzOSwyMS4xNDYyODc0IDYuNDM2NzQ1OTksMjAuMzIyNTAxNiA2LjQzNjc0NTk5LDE5LjMwNzQ3OTggQzYuNDM2NzQ1OTksMTguMjkxNTM4NiA3LjI1OTYxMjM5LDE3LjQ2ODY3MjIgOC4yNzU1NTM1OSwxNy40Njg2NzIyIEwxNS42MzA3ODQsMTcuNDY4NjcyMiBDMTYuNjQ1ODA1OCwxNy40Njg2NzIyIDE3LjQ2OTU5MTYsMTguMjkxNTM4NiAxNy40Njk1OTE2LDE5LjMwNzQ3OTggQzE3LjQ2OTU5MTYsMjAuMzIyNTAxNiAxNi42NDU4MDU4LDIxLjE0NjI4NzQgMTUuNjMwNzg0LDIxLjE0NjI4NzQiIGlkPSJGaWxsLTI1MyIgZmlsbD0iIzMwNDA0RCI+PC9wYXRoPg0KICAgICAgICAgICAgICAgICAgICAgICAgICAgICAgICA8cGF0aCBkPSJNOC4yNzU1NTM1OSwxOC4zODgwNzYgTDE1LjYzMDc4NCwxOC4zODgwNzYgQzE2LjQ4Njc0ODksMTguMzg4MDc2IDE3LjE5OTI4NjksMTguOTc1NTc1IDE3LjQwNDMxMzksMTkuNzY3MTgxNyBDMTcuNDQyOTI4OSwxOS42MTkxNTc3IDE3LjQ2OTU5MTYsMTkuNDY3NDU2IDE3LjQ2OTU5MTYsMTkuMzA3NDc5OCBDMTcuNDY5NTkxNiwxOC4yOTE1Mzg2IDE2LjY0NTgwNTgsMTcuNDY4NjcyMiAxNS42MzA3ODQsMTcuNDY4NjcyMiBMOC4yNzU1NTM1OSwxNy40Njg2NzIyIEM3LjI1OTYxMjM5LDE3LjQ2ODY3MjIgNi40MzY3NDU5OSwxOC4yOTE1Mzg2IDYuNDM2NzQ1OTksMTkuMzA3NDc5OCBDNi40MzY3NDU5OSwxOS40Njc0NTYgNi40NjM0MDg3LDE5LjYxOTE1NzcgNi41MDIwMjM2NiwxOS43NjcxODE3IEM2LjcwNzA1MDcxLDE4Ljk3NTU3NSA3LjQxOTU4ODY1LDE4LjM4ODA3NiA4LjI3NTU1MzU5LDE4LjM4ODA3NiIgaWQ9IkZpbGwtMjU0IiBmaWxsPSIjMjQzMDM4Ij48L3BhdGg+DQogICAgICAgICAgICAgICAgICAgICAgICAgICAgICAgIDxwYXRoIGQ9Ik0xNS42MzA3ODQsMTYuNTQ5MjY4NCBMOC4yNzU1NTM1OSwxNi41NDkyNjg0IEM3LjI1OTYxMjM5LDE2LjU0OTI2ODQgNi40MzY3NDU5OSwxNS43MjU0ODI2IDYuNDM2NzQ1OTksMTQuNzEwNDYwOCBDNi40MzY3NDU5OSwxMy42OTQ1MTk2IDcuMjU5NjEyMzksMTIuODcxNjUzMiA4LjI3NTU1MzU5LDEyLjg3MTY1MzIgTDE1LjYzMDc4NCwxMi44NzE2NTMyIEMxNi42NDU4MDU4LDEyLjg3MTY1MzIgMTcuNDY5NTkxNiwxMy42OTQ1MTk2IDE3LjQ2OTU5MTYsMTQuNzEwNDYwOCBDMTcuNDY5NTkxNiwxNS43MjU0ODI2IDE2LjY0NTgwNTgsMTYuNTQ5MjY4NCAxNS42MzA3ODQsMTYuNTQ5MjY4NCIgaWQ9IkZpbGwtMjU1IiBmaWxsPSIjMzA0MDREIj48L3BhdGg+DQogICAgICAgICAgICAgICAgICAgICAgICAgICAgICAgIDxwYXRoIGQ9Ik04LjI3NTU1MzU5LDEzLjc5MTA1NyBMMTUuNjMwNzg0LDEzLjc5MTA1NyBDMTYuNDg2NzQ4OSwxMy43OTEwNTcgMTcuMTk5Mjg2OSwxNC4zNzg1NTYgMTcuNDA0MzEzOSwxNS4xNzAxNjI3IEMxNy40NDI5Mjg5LDE1LjAyMjEzODcgMTcuNDY5NTkxNiwxNC44NzA0MzcgMTcuNDY5NTkxNiwxNC43MTA0NjA4IEMxNy40Njk1OTE2LDEzLjY5NDUxOTYgMTYuNjQ1ODA1OCwxMi44NzE2NTMyIDE1LjYzMDc4NCwxMi44NzE2NTMyIEw4LjI3NTU1MzU5LDEyLjg3MTY1MzIgQzcuMjU5NjEyMzksMTIuODcxNjUzMiA2LjQzNjc0NTk5LDEzLjY5NDUxOTYgNi40MzY3NDU5OSwxNC43MTA0NjA4IEM2LjQzNjc0NTk5LDE0Ljg3MDQzNyA2LjQ2MzQwODcsMTUuMDIyMTM4NyA2LjUwMjAyMzY2LDE1LjE3MDE2MjcgQzYuNzA3MDUwNzEsMTQuMzc4NTU2IDcuNDE5NTg4NjUsMTMuNzkxMDU3IDguMjc1NTUzNTksMTMuNzkxMDU3IiBpZD0iRmlsbC0yNTYiIGZpbGw9IiMyNDMwMzgiPjwvcGF0aD4NCiAgICAgICAgICAgICAgICAgICAgICAgICAgICAgICAgPHBhdGggZD0iTTExLjk1MzE2ODgsMjcuNTgyMTEzOSBMNS41MTczNDIxOSwyNy41ODIxMTM5IEw1LjUxNzM0MjE5LDMwLjM0MDMyNTMgTDEwLjExNDM2MTIsMzAuMzQwMzI1MyBDMTEuMTI5MzgzLDMwLjM0MDMyNTMgMTEuOTUzMTY4OCwzMS4xNjMxOTE3IDExLjk1MzE2ODgsMzIuMTc5MTMyOSBMMTEuOTUzMTY4OCw1OC44NDE4NDMxIEMxNS41MDExNDgsNTguODQxODQzMSAxOC4zODg5OTU0LDU1Ljk1Mzk5NTggMTguMzg4OTk1NCw1Mi40MDYwMTY1IEwxOC4zODg5OTU0LDI3LjU4MjExMzkgTDExLjk1MzE2ODgsMjcuNTgyMTEzOSIgaWQ9IkZpbGwtMjU3IiBmaWxsPSIjOEJBNkIxIj48L3BhdGg+DQogICAgICAgICAgICAgICAgICAgICAgICAgICAgICAgIDxwYXRoIGQ9Ik0xMy43OTE5NzY0LDQ2Ljg4OTU5MzcgQzEzLjc5MTk3NjQsNDcuOTA1NTM0OSAxMi45NjgxOTA2LDQ4LjcyODQwMTMgMTEuOTUzMTY4OCw0OC43Mjg0MDEzIEMxMC45MzcyMjc2LDQ4LjcyODQwMTMgMTAuMTE0MzYxMiw0Ny45MDU1MzQ5IDEwLjExNDM2MTIsNDYuODg5NTkzNyBDMTAuMTE0MzYxMiw0NS44NzM2NTI1IDEwLjkzNzIyNzYsNDUuMDUwNzg2MSAxMS45NTMxNjg4LDQ1LjA1MDc4NjEgQzEyLjk2ODE5MDYsNDUuMDUwNzg2MSAxMy43OTE5NzY0LDQ1Ljg3MzY1MjUgMTMuNzkxOTc2NCw0Ni44ODk1OTM3IiBpZD0iRmlsbC0yNTgiIGZpbGw9IiM4QkE2QjEiPjwvcGF0aD4NCiAgICAgICAgICAgICAgICAgICAgICAgICAgICAgICAgPHBhdGggZD0iTTExLjMwMzE1MDMsNDYuMjM5NTc1MiBDMTEuOTA4MTE4LDQ1LjYzMzY4ODEgMTIuODI3NTIxOCw0NS41NDU0MjU0IDEzLjUzMjcwNDUsNDUuOTYwMDc2NSBDMTMuNDU0NTU1Miw0NS44Mjg2MDE3IDEzLjM2NjI5MjQsNDUuNzAyNjQzNCAxMy4yNTMyMDU4LDQ1LjU4OTU1NjcgQzEyLjUzNTE1MTQsNDQuODcxNTAyNCAxMS4zNzExODYyLDQ0Ljg3MDU4MyAxMC42NTMxMzE4LDQ1LjU4OTU1NjcgQzkuOTM0MTU4MDQsNDYuMzA3NjExMSA5LjkzNTA3NzQ0LDQ3LjQ3MTU3NjMgMTAuNjUzMTMxOCw0OC4xODk2MzA3IEMxMC43NjUyOTkxLDQ4LjMwMjcxNzMgMTAuODkyMTc2OCw0OC4zOTA5ODAxIDExLjAyMzY1MTUsNDguNDY5MTI5NCBDMTAuNjA5MDAwNCw0Ny43NjM5NDY3IDEwLjY5NzI2MzIsNDYuODQ1NDYyMyAxMS4zMDMxNTAzLDQ2LjIzOTU3NTIiIGlkPSJGaWxsLTI1OSIgZmlsbD0iIzgxOTlBMiI+PC9wYXRoPg0KICAgICAgICAgICAgICAgICAgICAgICAgICAgICAgICA8cGF0aCBkPSJNMTEuMzAzMTUwMywzOS44MDM3NDg2IEMxMS45MDgxMTgsMzkuMTk3ODYxNSAxMi44Mjc1MjE4LDM5LjEwOTU5ODggMTMuNTMyNzA0NSwzOS41MjUxNjkzIEMxMy40NTQ1NTUyLDM5LjM5Mjc3NTEgMTMuMzY2MjkyNCwzOS4yNjY4MTY4IDEzLjI1MzIwNTgsMzkuMTUzNzMwMiBDMTIuNTM1MTUxNCwzOC40MzU2NzU4IDExLjM3MTE4NjIsMzguNDM0NzU2NCAxMC42NTMxMzE4LDM5LjE1MzczMDIgQzkuOTM0MTU4MDQsMzkuODcyNzAzOSA5LjkzNTA3NzQ0LDQxLjAzNTc0OTcgMTAuNjUzMTMxOCw0MS43NTM4MDQxIEMxMC43NjUyOTkxLDQxLjg2Njg5MDggMTAuODkyMTc2OCw0MS45NTYwNzI5IDExLjAyMzY1MTUsNDIuMDMzMzAyOCBDMTAuNjA5MDAwNCw0MS4zMjgxMjAxIDEwLjY5NzI2MzIsNDAuNDA5NjM1NyAxMS4zMDMxNTAzLDM5LjgwMzc0ODYiIGlkPSJGaWxsLTI2MCIgZmlsbD0iIzgxOTlBMiI+PC9wYXRoPg0KICAgICAgICAgICAgICAgICAgICAgICAgICAgICAgICA8cGF0aCBkPSJNMTEuMzAzMTUwMyw1MS43NTU5OTggQzExLjkwODExOCw1MS4xNTAxMTA5IDEyLjgyNzUyMTgsNTEuMDYxODQ4MSAxMy41MzI3MDQ1LDUxLjQ3NzQxODcgQzEzLjQ1NDU1NTIsNTEuMzQ1MDI0NSAxMy4zNjYyOTI0LDUxLjIxOTA2NjIgMTMuMjUzMjA1OCw1MS4xMDU5Nzk1IEMxMi41MzUxNTE0LDUwLjM4NzkyNTIgMTEuMzcxMTg2Miw1MC4zODcwMDU4IDEwLjY1MzEzMTgsNTEuMTA1OTc5NSBDOS45MzQxNTgwNCw1MS44MjQ5NTMzIDkuOTM1MDc3NDQsNTIuOTg3OTk5MSAxMC42NTMxMzE4LDUzLjcwNjA1MzUgQzEwLjc2NTI5OTEsNTMuODE5MTQwMSAxMC44OTIxNzY4LDUzLjkwODMyMjMgMTEuMDIzNjUxNSw1My45ODU1NTIyIEMxMC42MDkwMDA0LDUzLjI4MDM2OTUgMTAuNjk3MjYzMiw1Mi4zNjE4ODUxIDExLjMwMzE1MDMsNTEuNzU1OTk4IiBpZD0iRmlsbC0yNjEiIGZpbGw9IiM4MTk5QTIiPjwvcGF0aD4NCiAgICAgICAgICAgICAgICAgICAgICAgICAgICAgICAgPHBhdGggZD0iTTExLjk1MzE2ODgsOS4xOTQwMzc5OCBDMTAuOTM3MjI3Niw5LjE5NDAzNzk4IDEwLjExNDM2MTIsOC4zNzExNzE1OCAxMC4xMTQzNjEyLDcuMzU1MjMwMzkgQzEwLjExNDM2MTIsNi4zMzkyODkxOSAxMC45MzcyMjc2LDUuNTE2NDIyNzkgMTEuOTUzMTY4OCw1LjUxNjQyMjc5IEMxMi45NjgxOTA2LDUuNTE2NDIyNzkgMTMuNzkxOTc2NCw2LjMzOTI4OTE5IDEzLjc5MTk3NjQsNy4zNTUyMzAzOSBDMTMuNzkxOTc2NCw4LjM3MTE3MTU4IDEyLjk2ODE5MDYsOS4xOTQwMzc5OCAxMS45NTMxNjg4LDkuMTk0MDM3OTggWiBNMTEuOTUzMTY4OCwzLjY3NzYxNTE5IEM5LjkyMjIwNTc5LDMuNjc3NjE1MTkgOC4yNzU1NTM1OSw1LjMyNDI2NzQgOC4yNzU1NTM1OSw3LjM1NTIzMDM5IEM4LjI3NTU1MzU5LDkuMzg2MTkzMzggOS45MjIyMDU3OSwxMS4wMzI4NDU2IDExLjk1MzE2ODgsMTEuMDMyODQ1NiBDMTMuOTg0MTMxOCwxMS4wMzI4NDU2IDE1LjYzMDc4NCw5LjM4NjE5MzM4IDE1LjYzMDc4NCw3LjM1NTIzMDM5IEMxNS42MzA3ODQsNS4zMjQyNjc0IDEzLjk4NDEzMTgsMy42Nzc2MTUxOSAxMS45NTMxNjg4LDMuNjc3NjE1MTkgTDExLjk1MzE2ODgsMy42Nzc2MTUxOSBaIiBpZD0iRmlsbC0yNjIiIGZpbGw9IiMyNDMwMzgiPjwvcGF0aD4NCiAgICAgICAgICAgICAgICAgICAgICAgICAgICAgICAgPHBhdGggZD0iTTE0LjcxMTM4MDIsNy4zNTUyMzAzOSBDMTQuNzExMzgwMiw4Ljg3ODY4MjQ4IDEzLjQ3NjYyMDksMTAuMTEzNDQxOCAxMS45NTMxNjg4LDEwLjExMzQ0MTggTDExLjk1MzE2ODgsMTEuMDMyODQ1NiBDMTMuOTg0MTMxOCwxMS4wMzI4NDU2IDE1LjYzMDc4NCw5LjM4NjE5MzM4IDE1LjYzMDc4NCw3LjM1NTIzMDM5IEMxNS42MzA3ODQsNS4zMjQyNjc0IDEzLjk4NDEzMTgsMy42Nzc2MTUxOSAxMS45NTMxNjg4LDMuNjc3NjE1MTkgTDExLjk1MzE2ODgsNC41OTcwMTg5OSBDMTMuNDc2NjIwOSw0LjU5NzAxODk5IDE0LjcxMTM4MDIsNS44MzE3NzgyOSAxNC43MTEzODAyLDcuMzU1MjMwMzkiIGlkPSJGaWxsLTI2MyIgZmlsbD0iIzMwNDA0RCI+PC9wYXRoPg0KICAgICAgICAgICAgICAgICAgICAgICAgICAgIDwvZz4NCiAgICAgICAgICAgICAgICAgICAgICAgICAgICA8ZyBpZD0iR3JvdXAtNiIgdHJhbnNmb3JtPSJ0cmFuc2xhdGUoNC4xMDk1ODksIDUuNzUzNDI1KSI+DQogICAgICAgICAgICAgICAgICAgICAgICAgICAgICAgIDxwYXRoIGQ9Ik02LjM1NDcxNjQxLC0wLjUgQzEwLjEzNDg4OTEsLTAuNSAxMy4yMDk0MzI4LDIuNTc0NTQzNjkgMTMuMjA5NDMyOCw2LjM1NDcxNjQxIEMxMy4yMDk0MzI4LDEwLjEzNDc1NjcgMTAuMTM0ODIzLDEzLjIwOTQzMjggNi4zNTQ3MTY0MSwxMy4yMDk0MzI4IEMyLjU3NDYwOTgyLDEzLjIwOTQzMjggLTAuNSwxMC4xMzQ3NTY3IC0wLjUsNi4zNTQ3MTY0MSBDLTAuNSwyLjU3NDU0MzY5IDIuNTc0NTQzNjksLTAuNSA2LjM1NDcxNjQxLC0wLjUgWiIgaWQ9IkZpbGwtMTA5IiBzdHJva2U9IiNGRkZGRkYiIGZpbGw9IiMwMDc4RDQiPjwvcGF0aD4NCiAgICAgICAgICAgICAgICAgICAgICAgICAgICAgICAgPGcgaWQ9IkFjdGl2ZURpcmVjdG9yeSIgdHJhbnNmb3JtPSJ0cmFuc2xhdGUoMS42NTgwNDMsIDEuNDA5MDAyKSI+DQogICAgICAgICAgICAgICAgICAgICAgICAgICAgICAgICAgICA8cGF0aCBkPSJNOC41OTM1NTQxNywzLjg4MDU1NzkxIEM4LjAxMjUzMywzLjg4MDU1NzkxIDcuNTQxNzk4MjYsNC4zNTEyOTI2NSA3LjU0MTc5ODI2LDQuOTMyMDQ0ODMgQzcuNTQxNzk4MjYsNS4xNDUwODU5MyA3LjYwNjA4NzE3LDUuMzQyNzk0NTIgNy43MTUyOTc2Myw1LjUwODQ5MzE1IEw1LjYzMjIyOTE0LDcuNTkxNTYxNjQgQzUuNTc2ODE2OTQsNy41NTI4MjY5IDUuNTE3MzY5ODYsNy41MjA1NDc5NSA1LjQ1NTc3MDg2LDcuNDkxMjI3OSBMNS40NTU3NzA4NiwyLjE3Njc2NzEyIEM1Ljc2OTY4MzY5LDEuOTk0OTI5MDIgNS45ODMyNjI3NiwxLjY1OTIyNzkgNS45ODMyNjI3NiwxLjI3MDI2NjUgQzUuOTgzMjYyNzYsMC42ODk1MTQzMjEgNS41MTI1MjgwMiwwLjIxODc3OTU3NyA0LjkzMTUwNjg1LDAuMjE4Nzc5NTc3IEM0LjM1MTAyMzY2LDAuMjE4Nzc5NTc3IDMuODgwMjg4OTIsMC42ODk1MTQzMjEgMy44ODAyODg5MiwxLjI3MDI2NjUgQzMuODgwMjg4OTIsMS42NTkyMjc5IDQuMDkzODY4LDEuOTk0OTI5MDIgNC40MDc1MTE4MywyLjE3Njc2NzEyIEw0LjQwNzUxMTgzLDcuNDkwOTU4OSBDNC4zNDg2MDI3NCw3LjUxODkzNCA0LjI5MDc2OTYxLDcuNTQ5MDYxMDIgNC4yMzc1MDkzNCw3LjU4NTkxMjgzIEwyLjE1MjAxOTkzLDUuNTAwNDIzNDEgQzIuMjU4MDAyNDksNS4zMzYzMzg3MyAyLjMyMDk0NjQ1LDUuMTQxODU4MDMgMi4zMjA5NDY0NSw0LjkzMjA0NDgzIEMyLjMyMDk0NjQ1LDQuMzUxMjkyNjUgMS44NTAyMTE3MSwzLjg4MDU1NzkxIDEuMjY5NzI4NTIsMy44ODA1NTc5MSBDMC42ODg3MDczNDcsMy44ODA1NTc5MSAwLjIxNzk3MjYwMyw0LjM1MTI5MjY1IDAuMjE3OTcyNjAzLDQuOTMyMDQ0ODMgQzAuMjE3OTcyNjAzLDUuNTEyNzk3MDEgMC42ODg3MDczNDcsNS45ODM1MzE3NiAxLjI2OTcyODUyLDUuOTgzNTMxNzYgQzEuMzkwMjM2NjEsNS45ODM1MzE3NiAxLjUwNDI4ODkyLDUuOTU5MDUzNTUgMS42MTI0MjM0MSw1LjkyMTY2Mzc2IEwzLjgwNDcwMjM3LDguMTEzOTQyNzEgQzMuNzQxNzU4NDEsOC4yNjEzNDk5NCAzLjcwNjc4OTU0LDguNDIzMjgyNjkgMy43MDY3ODk1NCw4LjU5MzU1NDE3IEMzLjcwNjc4OTU0LDkuMjY5NTI5MjcgNC4yNTQ5OTM3Nyw5LjgxNzczMzUgNC45MzA5Njg4Nyw5LjgxNzczMzUgQzUuNjA3MjEyOTUsOS44MTc3MzM1IDYuMTU1MTQ4MTksOS4yNjk1MjkyNyA2LjE1NTE0ODE5LDguNTkzNTU0MTcgQzYuMTU1MTQ4MTksOC40MjY1MTA1OSA2LjEyMTI1NTI5LDguMjY3NTM2NzQgNi4wNjA3MzIyNSw4LjEyMjU1MDQ0IEw4LjI1OTE5ODAxLDUuOTI0MzUzNjcgQzguMzY0NjQyNTksNS45NTk4NjA1MiA4LjQ3NTQ2Nyw1Ljk4MzUzMTc2IDguNTkzMDE2MTksNS45ODM1MzE3NiBDOS4xNzM0OTkzOCw1Ljk4MzUzMTc2IDkuNjQ0MjM0MTIsNS41MTI3OTcwMSA5LjY0NDIzNDEyLDQuOTMyMDQ0ODMgQzkuNjQ0MjM0MTIsNC4zNTEyOTI2NSA5LjE3Mzc2ODM3LDMuODgwNTU3OTEgOC41OTM1NTQxNywzLjg4MDU1NzkxIFoiIGlkPSJQYXRoIiBmaWxsPSIjRkZGRkZGIj48L3BhdGg+DQogICAgICAgICAgICAgICAgICAgICAgICAgICAgICAgICAgICA8cG9seWdvbiBpZD0iUmVjdGFuZ2xlIiBmaWxsPSIjRkZGRkZGIiBvcGFjaXR5PSIwLjUiIHRyYW5zZm9ybT0idHJhbnNsYXRlKDYuODg2NjIxLCAzLjIwMDk4Nikgcm90YXRlKDEzNC45OTE4OTcpIHRyYW5zbGF0ZSgtNi44ODY2MjEsIC0zLjIwMDk4NikgIiBwb2ludHM9IjYuNTQ3MjkxNDMgMC40MjAxODA2MjMgNy4yMjU5NDk5MyAwLjQyMDE4MDYyMyA3LjIyNTk0OTkzIDUuOTgxNzkxMSA2LjU0NzI5MTQzIDUuOTgxNzkxMSI+PC9wb2x5Z29uPg0KICAgICAgICAgICAgICAgICAgICAgICAgICAgICAgICAgICAgPHBvbHlnb24gaWQ9IlJlY3RhbmdsZSIgZmlsbD0iI0ZGRkZGRiIgb3BhY2l0eT0iMC41IiB0cmFuc2Zvcm09InRyYW5zbGF0ZSgyLjk4MDY2MCwgMy4yMDQ1MjYpIHJvdGF0ZSg0NS4wMDAwMDApIHRyYW5zbGF0ZSgtMi45ODA2NjAsIC0zLjIwNDUyNikgIiBwb2ludHM9IjIuNjQxMTk2MyAwLjQyMzU4NjQ3MiAzLjMyMDEyMzc4IDAuNDIzNTg2NDcyIDMuMzIwMTIzNzggNS45ODU0NjU4OCAyLjY0MTE5NjMgNS45ODU0NjU4OCI+PC9wb2x5Z29uPg0KICAgICAgICAgICAgICAgICAgICAgICAgICAgICAgICAgICAgPHBhdGggZD0iTTUuNjQ4MzY4NjIsOC41OTM1NTQxNyBDNS42NDgzNjg2Miw4Ljk5NTk2NTEzIDUuMzIxODEzMiw5LjMyMjI1MTU2IDQuOTE5NDAyMjQsOS4zMjIyNTE1NiBDNC41MTY3MjIyOSw5LjMyMjI1MTU2IDQuMTkwNzA0ODYsOC45OTU5NjUxMyA0LjE5MDcwNDg2LDguNTkzNTU0MTcgQzQuMTkwNzA0ODYsOC4xOTExNDMyMSA0LjUxNjcyMjI5LDcuODY0ODU2NzkgNC45MTk0MDIyNCw3Ljg2NDg1Njc5IEM1LjMyMTU0NDIxLDcuODY0ODU2NzkgNS42NDgzNjg2Miw4LjE5MTE0MzIxIDUuNjQ4MzY4NjIsOC41OTM1NTQxNyIgaWQ9IlBhdGgiIGZpbGw9IiM3Q0I2NUEiPjwvcGF0aD4NCiAgICAgICAgICAgICAgICAgICAgICAgICAgICAgICAgICAgIDxwYXRoIGQ9Ik01LjUxNjI5MzksMS4yNzAyNjY1IEM1LjUxNjI5MzksMS41OTMzMjUwMyA1LjI1NDU2NTM4LDEuODU1MDUzNTUgNC45MzE1MDY4NSwxLjg1NTA1MzU1IEM0LjYwODQ0ODMyLDEuODU1MDUzNTUgNC4zNDY3MTk4LDEuNTkzMzI1MDMgNC4zNDY3MTk4LDEuMjcwMjY2NSBDNC4zNDY3MTk4LDAuOTQ3MjA3OTcgNC42MDg0NDgzMiwwLjY4NTQ3OTQ1MiA0LjkzMTUwNjg1LDAuNjg1NDc5NDUyIEM1LjI1NDU2NTM4LDAuNjg1NDc5NDUyIDUuNTE2MjkzOSwwLjk0NzIwNzk3IDUuNTE2MjkzOSwxLjI3MDI2NjUiIGlkPSJQYXRoIiBmaWxsPSIjN0NCNjVBIj48L3BhdGg+DQogICAgICAgICAgICAgICAgICAgICAgICAgICAgICAgICAgICA8cGF0aCBkPSJNMS44NTUwNTM1NSw0LjkzMTc3NTg0IEMxLjg1NTA1MzU1LDUuMjU0ODM0MzcgMS41OTI3ODcwNSw1LjUxNjU2Mjg5IDEuMjcwMjY2NSw1LjUxNjU2Mjg5IEMwLjk0NzIwNzk3LDUuNTE2NTYyODkgMC42ODU0Nzk0NTIsNS4yNTQ4MzQzNyAwLjY4NTQ3OTQ1Miw0LjkzMTc3NTg0IEMwLjY4NTQ3OTQ1Miw0LjYwODcxNzMxIDAuOTQ3MjA3OTcsNC4zNDY5ODg3OSAxLjI3MDI2NjUsNC4zNDY5ODg3OSBDMS41OTI3ODcwNSw0LjM0Njk4ODc5IDEuODU1MDUzNTUsNC42MDg3MTczMSAxLjg1NTA1MzU1LDQuOTMxNzc1ODQiIGlkPSJQYXRoIiBmaWxsPSIjN0NCNjVBIj48L3BhdGg+DQogICAgICAgICAgICAgICAgICAgICAgICAgICAgICAgICAgICA8cGF0aCBkPSJNOS4xNzgzNDEyMiw0LjkzMTc3NTg0IEM5LjE3ODM0MTIyLDUuMjU0ODM0MzcgOC45MTYwNzQ3Miw1LjUxNjU2Mjg5IDguNTkzMjg1MTgsNS41MTY1NjI4OSBDOC4yNzA0OTU2NCw1LjUxNjU2Mjg5IDguMDA4NDk4MTMsNS4yNTQ4MzQzNyA4LjAwODQ5ODEzLDQuOTMxNzc1ODQgQzguMDA4NDk4MTMsNC42MDg3MTczMSA4LjI3MDQ5NTY0LDQuMzQ2OTg4NzkgOC41OTMyODUxOCw0LjM0Njk4ODc5IEM4LjkxNjA3NDcyLDQuMzQ2OTg4NzkgOS4xNzgzNDEyMiw0LjYwODcxNzMxIDkuMTc4MzQxMjIsNC45MzE3NzU4NCIgaWQ9IlBhdGgiIGZpbGw9IiM3Q0I2NUEiPjwvcGF0aD4NCiAgICAgICAgICAgICAgICAgICAgICAgICAgICAgICAgPC9nPg0KICAgICAgICAgICAgICAgICAgICAgICAgICAgIDwvZz4NCiAgICAgICAgICAgICAgICAgICAgICAgIDwvZz4NCiAgICAgICAgICAgICAgICAgICAgPC9nPg0KICAgICAgICAgICAgICAgIDwvZz4NCiAgICAgICAgICAgICAgICA8ZyBpZD0iQXp1cmUtQm9yZGVyIiBzdHJva2U9IiMwMDc4RDQiIHN0cm9rZS13aWR0aD0iNCI+DQogICAgICAgICAgICAgICAgICAgIDxyZWN0IHg9IjIiIHk9IjIiIHdpZHRoPSI5NiIgaGVpZ2h0PSI5NiIgcng9IjQ4Ij48L3JlY3Q+DQogICAgICAgICAgICAgICAgPC9nPg0KICAgICAgICAgICAgPC9nPg0KICAgICAgICA8L2c+DQogICAgPC9nPg0KPC9zdmc+" id="0" name="Picture 1"/>
           <p:cNvPicPr>
             <a:picLocks noGrp="1" noChangeAspect="1"/>
           </p:cNvPicPr>
-          <p:nvPr>
-            <p:ph type="pic" idx="1"/>
-          </p:nvPr>
+          <p:nvPr/>
         </p:nvPicPr>
         <p:blipFill>
-          <a:blip r:embed="rId2"/>
-          <a:srcRect l="32421" r="32421"/>
+          <a:blip r:embed="rId5"/>
           <a:stretch>
             <a:fillRect/>
           </a:stretch>
         </p:blipFill>
-        <p:spPr/>
+        <p:spPr bwMode="auto">
+          <a:xfrm>
+            <a:off x="3937000" y="203200"/>
+            <a:ext cx="4381500" cy="4381500"/>
+          </a:xfrm>
+          <a:prstGeom prst="rect">
+            <a:avLst/>
+          </a:prstGeom>
+          <a:noFill/>
+          <a:ln w="9525">
+            <a:noFill/>
+            <a:headEnd/>
+            <a:tailEnd/>
+          </a:ln>
+        </p:spPr>
       </p:pic>
-      <p:sp>
-        <p:nvSpPr>
-          <p:cNvPr id="4" name="Text Placeholder 3"/>
-          <p:cNvSpPr>
-            <a:spLocks noGrp="1"/>
-          </p:cNvSpPr>
-          <p:nvPr>
-            <p:ph type="body" idx="2" sz="half"/>
-          </p:nvPr>
-        </p:nvSpPr>
-        <p:spPr/>
-        <p:txBody>
-          <a:bodyPr/>
-          <a:lstStyle/>
-          <a:p/>
-        </p:txBody>
-      </p:sp>
     </p:spTree>
   </p:cSld>
-  <p:clrMapOvr>
-    <a:masterClrMapping/>
-  </p:clrMapOvr>
+</p:sld>
+</file>
+
+<file path=ppt/slides/slide2.xml><?xml version="1.0" encoding="utf-8"?>
+<p:sld xmlns:a="http://schemas.openxmlformats.org/drawingml/2006/main" xmlns:r="http://schemas.openxmlformats.org/officeDocument/2006/relationships" xmlns:p="http://schemas.openxmlformats.org/presentationml/2006/main">
+  <p:cSld>
+    <p:spTree>
+      <p:nvGrpSpPr>
+        <p:cNvPr id="1" name=""/>
+        <p:cNvGrpSpPr/>
+        <p:nvPr/>
+      </p:nvGrpSpPr>
+      <p:grpSpPr>
+        <a:xfrm>
+          <a:off x="0" y="0"/>
+          <a:ext cx="0" cy="0"/>
+          <a:chOff x="0" y="0"/>
+          <a:chExt cx="0" cy="0"/>
+        </a:xfrm>
+      </p:grpSpPr>
+      <p:sp>
+        <p:nvSpPr>
+          <p:cNvPr id="3" name="Content Placeholder 2"/>
+          <p:cNvSpPr>
+            <a:spLocks noGrp="1"/>
+          </p:cNvSpPr>
+          <p:nvPr>
+            <p:ph idx="1"/>
+          </p:nvPr>
+        </p:nvSpPr>
+        <p:spPr/>
+        <p:txBody>
+          <a:bodyPr/>
+          <a:lstStyle/>
+          <a:p>
+            <a:pPr lvl="0"/>
+            <a:r>
+              <a:rPr/>
+              <a:t>31 min</a:t>
+            </a:r>
+          </a:p>
+          <a:p>
+            <a:pPr lvl="0"/>
+            <a:r>
+              <a:rPr/>
+              <a:t>Module</a:t>
+            </a:r>
+          </a:p>
+          <a:p>
+            <a:pPr lvl="0"/>
+            <a:r>
+              <a:rPr/>
+              <a:t>6 Units</a:t>
+            </a:r>
+          </a:p>
+          <a:p>
+            <a:pPr lvl="0" indent="0" marL="0">
+              <a:buNone/>
+            </a:pPr>
+            <a:r>
+              <a:rPr/>
+              <a:t>4.8 out of 5 stars from 5351 votes</a:t>
+            </a:r>
+          </a:p>
+          <a:p>
+            <a:pPr lvl="0" indent="0" marL="0">
+              <a:buNone/>
+            </a:pPr>
+            <a:r>
+              <a:rPr/>
+              <a:t>5 star 81% 81%</a:t>
+            </a:r>
+          </a:p>
+          <a:p>
+            <a:pPr lvl="0" indent="0" marL="0">
+              <a:buNone/>
+            </a:pPr>
+            <a:r>
+              <a:rPr/>
+              <a:t>4 star 15% 15%</a:t>
+            </a:r>
+          </a:p>
+          <a:p>
+            <a:pPr lvl="0" indent="0" marL="0">
+              <a:buNone/>
+            </a:pPr>
+            <a:r>
+              <a:rPr/>
+              <a:t>3 star 3% 3%</a:t>
+            </a:r>
+          </a:p>
+          <a:p>
+            <a:pPr lvl="0" indent="0" marL="0">
+              <a:buNone/>
+            </a:pPr>
+            <a:r>
+              <a:rPr/>
+              <a:t>2 star 1% 1%</a:t>
+            </a:r>
+          </a:p>
+          <a:p>
+            <a:pPr lvl="0" indent="0" marL="0">
+              <a:buNone/>
+            </a:pPr>
+            <a:r>
+              <a:rPr/>
+              <a:t>1 star 0% 0%</a:t>
+            </a:r>
+          </a:p>
+          <a:p>
+            <a:pPr lvl="0" indent="0" marL="0">
+              <a:buNone/>
+            </a:pPr>
+            <a:r>
+              <a:rPr/>
+              <a:t>Complete this module and tell us what you think. Your feedback is essential to us.</a:t>
+            </a:r>
+          </a:p>
+          <a:p>
+            <a:pPr lvl="0" indent="0" marL="0">
+              <a:buNone/>
+            </a:pPr>
+            <a:r>
+              <a:rPr/>
+              <a:t>Beginner</a:t>
+            </a:r>
+          </a:p>
+          <a:p>
+            <a:pPr lvl="0" indent="0" marL="0">
+              <a:buNone/>
+            </a:pPr>
+            <a:r>
+              <a:rPr/>
+              <a:t>Administrator</a:t>
+            </a:r>
+          </a:p>
+          <a:p>
+            <a:pPr lvl="0" indent="0" marL="0">
+              <a:buNone/>
+            </a:pPr>
+            <a:r>
+              <a:rPr/>
+              <a:t>Solution Architect</a:t>
+            </a:r>
+          </a:p>
+          <a:p>
+            <a:pPr lvl="0" indent="0" marL="0">
+              <a:buNone/>
+            </a:pPr>
+            <a:r>
+              <a:rPr/>
+              <a:t>Azure</a:t>
+            </a:r>
+          </a:p>
+          <a:p>
+            <a:pPr lvl="0" indent="0" marL="0">
+              <a:buNone/>
+            </a:pPr>
+            <a:r>
+              <a:rPr/>
+              <a:t>Azure Active Directory</a:t>
+            </a:r>
+          </a:p>
+          <a:p>
+            <a:pPr lvl="0" indent="0" marL="0">
+              <a:buNone/>
+            </a:pPr>
+            <a:r>
+              <a:rPr/>
+              <a:t>Evaluate self-service password reset to allow users in your organization to reset their passwords or unlock their accounts. Set up, configure, and test self-service password reset.</a:t>
+            </a:r>
+          </a:p>
+        </p:txBody>
+      </p:sp>
+    </p:spTree>
+  </p:cSld>
+</p:sld>
+</file>
+
+<file path=ppt/slides/slide3.xml><?xml version="1.0" encoding="utf-8"?>
+<p:sld xmlns:a="http://schemas.openxmlformats.org/drawingml/2006/main" xmlns:r="http://schemas.openxmlformats.org/officeDocument/2006/relationships" xmlns:p="http://schemas.openxmlformats.org/presentationml/2006/main">
+  <p:cSld>
+    <p:spTree>
+      <p:nvGrpSpPr>
+        <p:cNvPr id="1" name=""/>
+        <p:cNvGrpSpPr/>
+        <p:nvPr/>
+      </p:nvGrpSpPr>
+      <p:grpSpPr>
+        <a:xfrm>
+          <a:off x="0" y="0"/>
+          <a:ext cx="0" cy="0"/>
+          <a:chOff x="0" y="0"/>
+          <a:chExt cx="0" cy="0"/>
+        </a:xfrm>
+      </p:grpSpPr>
+      <p:sp>
+        <p:nvSpPr>
+          <p:cNvPr id="2" name="Title 1"/>
+          <p:cNvSpPr>
+            <a:spLocks noGrp="1"/>
+          </p:cNvSpPr>
+          <p:nvPr>
+            <p:ph type="title"/>
+          </p:nvPr>
+        </p:nvSpPr>
+        <p:spPr/>
+        <p:txBody>
+          <a:bodyPr/>
+          <a:lstStyle/>
+          <a:p>
+            <a:pPr lvl="0" indent="0" marL="0">
+              <a:buNone/>
+            </a:pPr>
+            <a:r>
+              <a:rPr/>
+              <a:t>Learning objectives</a:t>
+            </a:r>
+          </a:p>
+        </p:txBody>
+      </p:sp>
+      <p:sp>
+        <p:nvSpPr>
+          <p:cNvPr id="3" name="Content Placeholder 2"/>
+          <p:cNvSpPr>
+            <a:spLocks noGrp="1"/>
+          </p:cNvSpPr>
+          <p:nvPr>
+            <p:ph idx="1"/>
+          </p:nvPr>
+        </p:nvSpPr>
+        <p:spPr/>
+        <p:txBody>
+          <a:bodyPr/>
+          <a:lstStyle/>
+          <a:p>
+            <a:pPr lvl="0" indent="0" marL="0">
+              <a:buNone/>
+            </a:pPr>
+            <a:r>
+              <a:rPr/>
+              <a:t>In this module, you will:</a:t>
+            </a:r>
+          </a:p>
+          <a:p>
+            <a:pPr lvl="0"/>
+            <a:r>
+              <a:rPr/>
+              <a:t>Decide whether to implement self-service password reset.</a:t>
+            </a:r>
+          </a:p>
+          <a:p>
+            <a:pPr lvl="0"/>
+            <a:r>
+              <a:rPr/>
+              <a:t>Implement self-service password reset to meet your requirements.</a:t>
+            </a:r>
+          </a:p>
+          <a:p>
+            <a:pPr lvl="0"/>
+            <a:r>
+              <a:rPr/>
+              <a:t>Configure self-service password reset to customize the experience.</a:t>
+            </a:r>
+          </a:p>
+        </p:txBody>
+      </p:sp>
+    </p:spTree>
+  </p:cSld>
+</p:sld>
+</file>
+
+<file path=ppt/slides/slide4.xml><?xml version="1.0" encoding="utf-8"?>
+<p:sld xmlns:a="http://schemas.openxmlformats.org/drawingml/2006/main" xmlns:r="http://schemas.openxmlformats.org/officeDocument/2006/relationships" xmlns:p="http://schemas.openxmlformats.org/presentationml/2006/main">
+  <p:cSld>
+    <p:spTree>
+      <p:nvGrpSpPr>
+        <p:cNvPr id="1" name=""/>
+        <p:cNvGrpSpPr/>
+        <p:nvPr/>
+      </p:nvGrpSpPr>
+      <p:grpSpPr>
+        <a:xfrm>
+          <a:off x="0" y="0"/>
+          <a:ext cx="0" cy="0"/>
+          <a:chOff x="0" y="0"/>
+          <a:chExt cx="0" cy="0"/>
+        </a:xfrm>
+      </p:grpSpPr>
+      <p:sp>
+        <p:nvSpPr>
+          <p:cNvPr id="2" name="Title 1"/>
+          <p:cNvSpPr>
+            <a:spLocks noGrp="1"/>
+          </p:cNvSpPr>
+          <p:nvPr>
+            <p:ph type="title"/>
+          </p:nvPr>
+        </p:nvSpPr>
+        <p:spPr/>
+        <p:txBody>
+          <a:bodyPr/>
+          <a:lstStyle/>
+          <a:p>
+            <a:pPr lvl="0" indent="0" marL="0">
+              <a:buNone/>
+            </a:pPr>
+            <a:r>
+              <a:rPr/>
+              <a:t>Prerequisites</a:t>
+            </a:r>
+          </a:p>
+        </p:txBody>
+      </p:sp>
+      <p:sp>
+        <p:nvSpPr>
+          <p:cNvPr id="3" name="Content Placeholder 2"/>
+          <p:cNvSpPr>
+            <a:spLocks noGrp="1"/>
+          </p:cNvSpPr>
+          <p:nvPr>
+            <p:ph idx="1"/>
+          </p:nvPr>
+        </p:nvSpPr>
+        <p:spPr/>
+        <p:txBody>
+          <a:bodyPr/>
+          <a:lstStyle/>
+          <a:p>
+            <a:pPr lvl="0"/>
+            <a:r>
+              <a:rPr/>
+              <a:t>Basic understanding of Azure Active Directory</a:t>
+            </a:r>
+          </a:p>
+        </p:txBody>
+      </p:sp>
+    </p:spTree>
+  </p:cSld>
 </p:sld>
 </file>
 
@@ -3467,4 +3834,265 @@
   </a:objectDefaults>
   <a:extraClrSchemeLst/>
 </a:theme>
+</file>
+
+<file path=ppt/theme/theme2.xml><?xml version="1.0" encoding="utf-8"?>
+<a:theme xmlns:a="http://schemas.openxmlformats.org/drawingml/2006/main" name="Office Theme">
+  <a:themeElements>
+    <a:clrScheme name="Office">
+      <a:dk1>
+        <a:sysClr val="windowText" lastClr="000000"/>
+      </a:dk1>
+      <a:lt1>
+        <a:sysClr val="window" lastClr="FFFFFF"/>
+      </a:lt1>
+      <a:dk2>
+        <a:srgbClr val="44546A"/>
+      </a:dk2>
+      <a:lt2>
+        <a:srgbClr val="E7E6E6"/>
+      </a:lt2>
+      <a:accent1>
+        <a:srgbClr val="5B9BD5"/>
+      </a:accent1>
+      <a:accent2>
+        <a:srgbClr val="ED7D31"/>
+      </a:accent2>
+      <a:accent3>
+        <a:srgbClr val="A5A5A5"/>
+      </a:accent3>
+      <a:accent4>
+        <a:srgbClr val="FFC000"/>
+      </a:accent4>
+      <a:accent5>
+        <a:srgbClr val="4472C4"/>
+      </a:accent5>
+      <a:accent6>
+        <a:srgbClr val="70AD47"/>
+      </a:accent6>
+      <a:hlink>
+        <a:srgbClr val="0563C1"/>
+      </a:hlink>
+      <a:folHlink>
+        <a:srgbClr val="954F72"/>
+      </a:folHlink>
+    </a:clrScheme>
+    <a:fontScheme name="Office">
+      <a:majorFont>
+        <a:latin typeface="Calibri Light" panose="020F0302020204030204"/>
+        <a:ea typeface=""/>
+        <a:cs typeface=""/>
+        <a:font script="Jpan" typeface="ＭＳ Ｐゴシック"/>
+        <a:font script="Hang" typeface="맑은 고딕"/>
+        <a:font script="Hans" typeface="宋体"/>
+        <a:font script="Hant" typeface="新細明體"/>
+        <a:font script="Arab" typeface="Times New Roman"/>
+        <a:font script="Hebr" typeface="Times New Roman"/>
+        <a:font script="Thai" typeface="Angsana New"/>
+        <a:font script="Ethi" typeface="Nyala"/>
+        <a:font script="Beng" typeface="Vrinda"/>
+        <a:font script="Gujr" typeface="Shruti"/>
+        <a:font script="Khmr" typeface="MoolBoran"/>
+        <a:font script="Knda" typeface="Tunga"/>
+        <a:font script="Guru" typeface="Raavi"/>
+        <a:font script="Cans" typeface="Euphemia"/>
+        <a:font script="Cher" typeface="Plantagenet Cherokee"/>
+        <a:font script="Yiii" typeface="Microsoft Yi Baiti"/>
+        <a:font script="Tibt" typeface="Microsoft Himalaya"/>
+        <a:font script="Thaa" typeface="MV Boli"/>
+        <a:font script="Deva" typeface="Mangal"/>
+        <a:font script="Telu" typeface="Gautami"/>
+        <a:font script="Taml" typeface="Latha"/>
+        <a:font script="Syrc" typeface="Estrangelo Edessa"/>
+        <a:font script="Orya" typeface="Kalinga"/>
+        <a:font script="Mlym" typeface="Kartika"/>
+        <a:font script="Laoo" typeface="DokChampa"/>
+        <a:font script="Sinh" typeface="Iskoola Pota"/>
+        <a:font script="Mong" typeface="Mongolian Baiti"/>
+        <a:font script="Viet" typeface="Times New Roman"/>
+        <a:font script="Uigh" typeface="Microsoft Uighur"/>
+        <a:font script="Geor" typeface="Sylfaen"/>
+      </a:majorFont>
+      <a:minorFont>
+        <a:latin typeface="Calibri" panose="020F0502020204030204"/>
+        <a:ea typeface=""/>
+        <a:cs typeface=""/>
+        <a:font script="Jpan" typeface="ＭＳ Ｐゴシック"/>
+        <a:font script="Hang" typeface="맑은 고딕"/>
+        <a:font script="Hans" typeface="宋体"/>
+        <a:font script="Hant" typeface="新細明體"/>
+        <a:font script="Arab" typeface="Arial"/>
+        <a:font script="Hebr" typeface="Arial"/>
+        <a:font script="Thai" typeface="Cordia New"/>
+        <a:font script="Ethi" typeface="Nyala"/>
+        <a:font script="Beng" typeface="Vrinda"/>
+        <a:font script="Gujr" typeface="Shruti"/>
+        <a:font script="Khmr" typeface="DaunPenh"/>
+        <a:font script="Knda" typeface="Tunga"/>
+        <a:font script="Guru" typeface="Raavi"/>
+        <a:font script="Cans" typeface="Euphemia"/>
+        <a:font script="Cher" typeface="Plantagenet Cherokee"/>
+        <a:font script="Yiii" typeface="Microsoft Yi Baiti"/>
+        <a:font script="Tibt" typeface="Microsoft Himalaya"/>
+        <a:font script="Thaa" typeface="MV Boli"/>
+        <a:font script="Deva" typeface="Mangal"/>
+        <a:font script="Telu" typeface="Gautami"/>
+        <a:font script="Taml" typeface="Latha"/>
+        <a:font script="Syrc" typeface="Estrangelo Edessa"/>
+        <a:font script="Orya" typeface="Kalinga"/>
+        <a:font script="Mlym" typeface="Kartika"/>
+        <a:font script="Laoo" typeface="DokChampa"/>
+        <a:font script="Sinh" typeface="Iskoola Pota"/>
+        <a:font script="Mong" typeface="Mongolian Baiti"/>
+        <a:font script="Viet" typeface="Arial"/>
+        <a:font script="Uigh" typeface="Microsoft Uighur"/>
+        <a:font script="Geor" typeface="Sylfaen"/>
+      </a:minorFont>
+    </a:fontScheme>
+    <a:fmtScheme name="Office">
+      <a:fillStyleLst>
+        <a:solidFill>
+          <a:schemeClr val="phClr"/>
+        </a:solidFill>
+        <a:gradFill rotWithShape="1">
+          <a:gsLst>
+            <a:gs pos="0">
+              <a:schemeClr val="phClr">
+                <a:lumMod val="110000"/>
+                <a:satMod val="105000"/>
+                <a:tint val="67000"/>
+              </a:schemeClr>
+            </a:gs>
+            <a:gs pos="50000">
+              <a:schemeClr val="phClr">
+                <a:lumMod val="105000"/>
+                <a:satMod val="103000"/>
+                <a:tint val="73000"/>
+              </a:schemeClr>
+            </a:gs>
+            <a:gs pos="100000">
+              <a:schemeClr val="phClr">
+                <a:lumMod val="105000"/>
+                <a:satMod val="109000"/>
+                <a:tint val="81000"/>
+              </a:schemeClr>
+            </a:gs>
+          </a:gsLst>
+          <a:lin ang="5400000" scaled="0"/>
+        </a:gradFill>
+        <a:gradFill rotWithShape="1">
+          <a:gsLst>
+            <a:gs pos="0">
+              <a:schemeClr val="phClr">
+                <a:satMod val="103000"/>
+                <a:lumMod val="102000"/>
+                <a:tint val="94000"/>
+              </a:schemeClr>
+            </a:gs>
+            <a:gs pos="50000">
+              <a:schemeClr val="phClr">
+                <a:satMod val="110000"/>
+                <a:lumMod val="100000"/>
+                <a:shade val="100000"/>
+              </a:schemeClr>
+            </a:gs>
+            <a:gs pos="100000">
+              <a:schemeClr val="phClr">
+                <a:lumMod val="99000"/>
+                <a:satMod val="120000"/>
+                <a:shade val="78000"/>
+              </a:schemeClr>
+            </a:gs>
+          </a:gsLst>
+          <a:lin ang="5400000" scaled="0"/>
+        </a:gradFill>
+      </a:fillStyleLst>
+      <a:lnStyleLst>
+        <a:ln w="6350" cap="flat" cmpd="sng" algn="ctr">
+          <a:solidFill>
+            <a:schemeClr val="phClr"/>
+          </a:solidFill>
+          <a:prstDash val="solid"/>
+          <a:miter lim="800000"/>
+        </a:ln>
+        <a:ln w="12700" cap="flat" cmpd="sng" algn="ctr">
+          <a:solidFill>
+            <a:schemeClr val="phClr"/>
+          </a:solidFill>
+          <a:prstDash val="solid"/>
+          <a:miter lim="800000"/>
+        </a:ln>
+        <a:ln w="19050" cap="flat" cmpd="sng" algn="ctr">
+          <a:solidFill>
+            <a:schemeClr val="phClr"/>
+          </a:solidFill>
+          <a:prstDash val="solid"/>
+          <a:miter lim="800000"/>
+        </a:ln>
+      </a:lnStyleLst>
+      <a:effectStyleLst>
+        <a:effectStyle>
+          <a:effectLst/>
+        </a:effectStyle>
+        <a:effectStyle>
+          <a:effectLst/>
+        </a:effectStyle>
+        <a:effectStyle>
+          <a:effectLst>
+            <a:outerShdw blurRad="57150" dist="19050" dir="5400000" algn="ctr" rotWithShape="0">
+              <a:srgbClr val="000000">
+                <a:alpha val="63000"/>
+              </a:srgbClr>
+            </a:outerShdw>
+          </a:effectLst>
+        </a:effectStyle>
+      </a:effectStyleLst>
+      <a:bgFillStyleLst>
+        <a:solidFill>
+          <a:schemeClr val="phClr"/>
+        </a:solidFill>
+        <a:solidFill>
+          <a:schemeClr val="phClr">
+            <a:tint val="95000"/>
+            <a:satMod val="170000"/>
+          </a:schemeClr>
+        </a:solidFill>
+        <a:gradFill rotWithShape="1">
+          <a:gsLst>
+            <a:gs pos="0">
+              <a:schemeClr val="phClr">
+                <a:tint val="93000"/>
+                <a:satMod val="150000"/>
+                <a:shade val="98000"/>
+                <a:lumMod val="102000"/>
+              </a:schemeClr>
+            </a:gs>
+            <a:gs pos="50000">
+              <a:schemeClr val="phClr">
+                <a:tint val="98000"/>
+                <a:satMod val="130000"/>
+                <a:shade val="90000"/>
+                <a:lumMod val="103000"/>
+              </a:schemeClr>
+            </a:gs>
+            <a:gs pos="100000">
+              <a:schemeClr val="phClr">
+                <a:shade val="63000"/>
+                <a:satMod val="120000"/>
+              </a:schemeClr>
+            </a:gs>
+          </a:gsLst>
+          <a:lin ang="5400000" scaled="0"/>
+        </a:gradFill>
+      </a:bgFillStyleLst>
+    </a:fmtScheme>
+  </a:themeElements>
+  <a:objectDefaults/>
+  <a:extraClrSchemeLst/>
+  <a:extLst>
+    <a:ext uri="{05A4C25C-085E-4340-85A3-A5531E510DB2}">
+      <thm15:themeFamily xmlns:thm15="http://schemas.microsoft.com/office/thememl/2012/main" name="Office Theme" id="{62F939B6-93AF-4DB8-9C6B-D6C7DFDC589F}" vid="{4A3C46E8-61CC-4603-A589-7422A47A8E4A}"/>
+    </a:ext>
+  </a:extLst>
+</a:theme>
 </file>